--- a/Serverless-Search-Details.pptx
+++ b/Serverless-Search-Details.pptx
@@ -7,6 +7,8 @@
   <p:sldIdLst>
     <p:sldId id="256" r:id="rId2"/>
     <p:sldId id="257" r:id="rId3"/>
+    <p:sldId id="258" r:id="rId4"/>
+    <p:sldId id="259" r:id="rId5"/>
   </p:sldIdLst>
   <p:sldSz cx="12192000" cy="6858000"/>
   <p:notesSz cx="6858000" cy="9144000"/>
@@ -105,7 +107,1530 @@
       </a:defRPr>
     </a:lvl9pPr>
   </p:defaultTextStyle>
+  <p:extLst>
+    <p:ext uri="{EFAFB233-063F-42B5-8137-9DF3F51BA10A}">
+      <p15:sldGuideLst xmlns:p15="http://schemas.microsoft.com/office/powerpoint/2012/main"/>
+    </p:ext>
+  </p:extLst>
 </p:presentation>
+</file>
+
+<file path=ppt/charts/chart1.xml><?xml version="1.0" encoding="utf-8"?>
+<c:chartSpace xmlns:c="http://schemas.openxmlformats.org/drawingml/2006/chart" xmlns:a="http://schemas.openxmlformats.org/drawingml/2006/main" xmlns:r="http://schemas.openxmlformats.org/officeDocument/2006/relationships" xmlns:c16r2="http://schemas.microsoft.com/office/drawing/2015/06/chart">
+  <c:date1904 val="0"/>
+  <c:lang val="en-US"/>
+  <c:roundedCorners val="0"/>
+  <mc:AlternateContent xmlns:mc="http://schemas.openxmlformats.org/markup-compatibility/2006">
+    <mc:Choice xmlns:c14="http://schemas.microsoft.com/office/drawing/2007/8/2/chart" Requires="c14">
+      <c14:style val="102"/>
+    </mc:Choice>
+    <mc:Fallback>
+      <c:style val="2"/>
+    </mc:Fallback>
+  </mc:AlternateContent>
+  <c:chart>
+    <c:title>
+      <c:tx>
+        <c:rich>
+          <a:bodyPr rot="0" spcFirstLastPara="1" vertOverflow="ellipsis" vert="horz" wrap="square" anchor="ctr" anchorCtr="1"/>
+          <a:lstStyle/>
+          <a:p>
+            <a:pPr>
+              <a:defRPr sz="1400" b="0" i="0" u="none" strike="noStrike" kern="1200" spc="0" baseline="0">
+                <a:solidFill>
+                  <a:schemeClr val="tx1">
+                    <a:lumMod val="65000"/>
+                    <a:lumOff val="35000"/>
+                  </a:schemeClr>
+                </a:solidFill>
+                <a:latin typeface="+mn-lt"/>
+                <a:ea typeface="+mn-ea"/>
+                <a:cs typeface="+mn-cs"/>
+              </a:defRPr>
+            </a:pPr>
+            <a:r>
+              <a:rPr lang="en-US"/>
+              <a:t>Index</a:t>
+            </a:r>
+            <a:r>
+              <a:rPr lang="en-US" baseline="0"/>
+              <a:t>ing Latency vs Scale</a:t>
+            </a:r>
+            <a:endParaRPr lang="en-US"/>
+          </a:p>
+        </c:rich>
+      </c:tx>
+      <c:overlay val="0"/>
+      <c:spPr>
+        <a:noFill/>
+        <a:ln>
+          <a:noFill/>
+        </a:ln>
+        <a:effectLst/>
+      </c:spPr>
+      <c:txPr>
+        <a:bodyPr rot="0" spcFirstLastPara="1" vertOverflow="ellipsis" vert="horz" wrap="square" anchor="ctr" anchorCtr="1"/>
+        <a:lstStyle/>
+        <a:p>
+          <a:pPr>
+            <a:defRPr sz="1400" b="0" i="0" u="none" strike="noStrike" kern="1200" spc="0" baseline="0">
+              <a:solidFill>
+                <a:schemeClr val="tx1">
+                  <a:lumMod val="65000"/>
+                  <a:lumOff val="35000"/>
+                </a:schemeClr>
+              </a:solidFill>
+              <a:latin typeface="+mn-lt"/>
+              <a:ea typeface="+mn-ea"/>
+              <a:cs typeface="+mn-cs"/>
+            </a:defRPr>
+          </a:pPr>
+          <a:endParaRPr lang="en-US"/>
+        </a:p>
+      </c:txPr>
+    </c:title>
+    <c:autoTitleDeleted val="0"/>
+    <c:plotArea>
+      <c:layout/>
+      <c:scatterChart>
+        <c:scatterStyle val="lineMarker"/>
+        <c:varyColors val="0"/>
+        <c:ser>
+          <c:idx val="0"/>
+          <c:order val="0"/>
+          <c:spPr>
+            <a:ln w="19050" cap="rnd">
+              <a:solidFill>
+                <a:schemeClr val="accent1"/>
+              </a:solidFill>
+              <a:round/>
+            </a:ln>
+            <a:effectLst/>
+          </c:spPr>
+          <c:marker>
+            <c:symbol val="circle"/>
+            <c:size val="5"/>
+            <c:spPr>
+              <a:solidFill>
+                <a:schemeClr val="accent1"/>
+              </a:solidFill>
+              <a:ln w="9525">
+                <a:solidFill>
+                  <a:schemeClr val="accent1"/>
+                </a:solidFill>
+              </a:ln>
+              <a:effectLst/>
+            </c:spPr>
+          </c:marker>
+          <c:xVal>
+            <c:numRef>
+              <c:f>Sheet1!$C$1:$C$100</c:f>
+              <c:numCache>
+                <c:formatCode>General</c:formatCode>
+                <c:ptCount val="100"/>
+                <c:pt idx="0">
+                  <c:v>377</c:v>
+                </c:pt>
+                <c:pt idx="1">
+                  <c:v>566</c:v>
+                </c:pt>
+                <c:pt idx="2">
+                  <c:v>756</c:v>
+                </c:pt>
+                <c:pt idx="3">
+                  <c:v>945.33333333333303</c:v>
+                </c:pt>
+                <c:pt idx="4">
+                  <c:v>1134.8333333333301</c:v>
+                </c:pt>
+                <c:pt idx="5">
+                  <c:v>1324.3333333333301</c:v>
+                </c:pt>
+                <c:pt idx="6">
+                  <c:v>1513.8333333333301</c:v>
+                </c:pt>
+                <c:pt idx="7">
+                  <c:v>1703.3333333333301</c:v>
+                </c:pt>
+                <c:pt idx="8">
+                  <c:v>1892.8333333333301</c:v>
+                </c:pt>
+                <c:pt idx="9">
+                  <c:v>2082.3333333333298</c:v>
+                </c:pt>
+                <c:pt idx="10">
+                  <c:v>2271.8333333333298</c:v>
+                </c:pt>
+                <c:pt idx="11">
+                  <c:v>2461.3333333333298</c:v>
+                </c:pt>
+                <c:pt idx="12">
+                  <c:v>2650.8333333333298</c:v>
+                </c:pt>
+                <c:pt idx="13">
+                  <c:v>2840.3333333333298</c:v>
+                </c:pt>
+                <c:pt idx="14">
+                  <c:v>3029.8333333333298</c:v>
+                </c:pt>
+                <c:pt idx="15">
+                  <c:v>3219.3333333333298</c:v>
+                </c:pt>
+                <c:pt idx="16">
+                  <c:v>3408.8333333333298</c:v>
+                </c:pt>
+                <c:pt idx="17">
+                  <c:v>3598.3333333333298</c:v>
+                </c:pt>
+                <c:pt idx="18">
+                  <c:v>3787.8333333333298</c:v>
+                </c:pt>
+                <c:pt idx="19">
+                  <c:v>3977.3333333333298</c:v>
+                </c:pt>
+                <c:pt idx="20">
+                  <c:v>4166.8333333333303</c:v>
+                </c:pt>
+                <c:pt idx="21">
+                  <c:v>4356.3333333333303</c:v>
+                </c:pt>
+                <c:pt idx="22">
+                  <c:v>4545.8333333333303</c:v>
+                </c:pt>
+                <c:pt idx="23">
+                  <c:v>4735.3333333333303</c:v>
+                </c:pt>
+                <c:pt idx="24">
+                  <c:v>4924.8333333333303</c:v>
+                </c:pt>
+                <c:pt idx="25">
+                  <c:v>5114.3333333333303</c:v>
+                </c:pt>
+                <c:pt idx="26">
+                  <c:v>5303.8333333333303</c:v>
+                </c:pt>
+                <c:pt idx="27">
+                  <c:v>5493.3333333333303</c:v>
+                </c:pt>
+                <c:pt idx="28">
+                  <c:v>5682.8333333333303</c:v>
+                </c:pt>
+                <c:pt idx="29">
+                  <c:v>5872.3333333333303</c:v>
+                </c:pt>
+                <c:pt idx="30">
+                  <c:v>6061.8333333333303</c:v>
+                </c:pt>
+                <c:pt idx="31">
+                  <c:v>6251.3333333333303</c:v>
+                </c:pt>
+                <c:pt idx="32">
+                  <c:v>6440.8333333333303</c:v>
+                </c:pt>
+                <c:pt idx="33">
+                  <c:v>6630.3333333333303</c:v>
+                </c:pt>
+                <c:pt idx="34">
+                  <c:v>6819.8333333333303</c:v>
+                </c:pt>
+                <c:pt idx="35">
+                  <c:v>7009.3333333333303</c:v>
+                </c:pt>
+                <c:pt idx="36">
+                  <c:v>7198.8333333333303</c:v>
+                </c:pt>
+                <c:pt idx="37">
+                  <c:v>7388.3333333333303</c:v>
+                </c:pt>
+                <c:pt idx="38">
+                  <c:v>7577.8333333333303</c:v>
+                </c:pt>
+                <c:pt idx="39">
+                  <c:v>7767.3333333333303</c:v>
+                </c:pt>
+                <c:pt idx="40">
+                  <c:v>7956.8333333333303</c:v>
+                </c:pt>
+                <c:pt idx="41">
+                  <c:v>8146.3333333333303</c:v>
+                </c:pt>
+                <c:pt idx="42">
+                  <c:v>8335.8333333333303</c:v>
+                </c:pt>
+                <c:pt idx="43">
+                  <c:v>8525.3333333333303</c:v>
+                </c:pt>
+                <c:pt idx="44">
+                  <c:v>8714.8333333333303</c:v>
+                </c:pt>
+                <c:pt idx="45">
+                  <c:v>8904.3333333333303</c:v>
+                </c:pt>
+                <c:pt idx="46">
+                  <c:v>9093.8333333333303</c:v>
+                </c:pt>
+                <c:pt idx="47">
+                  <c:v>9283.3333333333303</c:v>
+                </c:pt>
+                <c:pt idx="48">
+                  <c:v>9472.8333333333303</c:v>
+                </c:pt>
+                <c:pt idx="49">
+                  <c:v>9662.3333333333303</c:v>
+                </c:pt>
+                <c:pt idx="50">
+                  <c:v>9851.8333333333303</c:v>
+                </c:pt>
+                <c:pt idx="51">
+                  <c:v>10041.333333333299</c:v>
+                </c:pt>
+                <c:pt idx="52">
+                  <c:v>10230.833333333299</c:v>
+                </c:pt>
+                <c:pt idx="53">
+                  <c:v>10420.333333333299</c:v>
+                </c:pt>
+                <c:pt idx="54">
+                  <c:v>10609.833333333299</c:v>
+                </c:pt>
+                <c:pt idx="55">
+                  <c:v>10799.333333333299</c:v>
+                </c:pt>
+                <c:pt idx="56">
+                  <c:v>10988.833333333299</c:v>
+                </c:pt>
+                <c:pt idx="57">
+                  <c:v>11178.333333333299</c:v>
+                </c:pt>
+                <c:pt idx="58">
+                  <c:v>11367.833333333299</c:v>
+                </c:pt>
+                <c:pt idx="59">
+                  <c:v>11557.333333333299</c:v>
+                </c:pt>
+                <c:pt idx="60">
+                  <c:v>11746.833333333299</c:v>
+                </c:pt>
+                <c:pt idx="61">
+                  <c:v>11936.333333333299</c:v>
+                </c:pt>
+                <c:pt idx="62">
+                  <c:v>12125.833333333299</c:v>
+                </c:pt>
+                <c:pt idx="63">
+                  <c:v>12315.333333333299</c:v>
+                </c:pt>
+                <c:pt idx="64">
+                  <c:v>12504.833333333299</c:v>
+                </c:pt>
+                <c:pt idx="65">
+                  <c:v>12694.333333333299</c:v>
+                </c:pt>
+                <c:pt idx="66">
+                  <c:v>12883.833333333299</c:v>
+                </c:pt>
+                <c:pt idx="67">
+                  <c:v>13073.333333333299</c:v>
+                </c:pt>
+                <c:pt idx="68">
+                  <c:v>13262.833333333299</c:v>
+                </c:pt>
+                <c:pt idx="69">
+                  <c:v>13452.333333333299</c:v>
+                </c:pt>
+                <c:pt idx="70">
+                  <c:v>13641.833333333299</c:v>
+                </c:pt>
+                <c:pt idx="71">
+                  <c:v>13831.333333333299</c:v>
+                </c:pt>
+                <c:pt idx="72">
+                  <c:v>14020.833333333299</c:v>
+                </c:pt>
+                <c:pt idx="73">
+                  <c:v>14210.333333333299</c:v>
+                </c:pt>
+                <c:pt idx="74">
+                  <c:v>14320.333333333299</c:v>
+                </c:pt>
+                <c:pt idx="75">
+                  <c:v>14500.333333333299</c:v>
+                </c:pt>
+                <c:pt idx="76">
+                  <c:v>14778.833333333299</c:v>
+                </c:pt>
+                <c:pt idx="77">
+                  <c:v>14968.333333333299</c:v>
+                </c:pt>
+                <c:pt idx="78">
+                  <c:v>15157.833333333299</c:v>
+                </c:pt>
+                <c:pt idx="79">
+                  <c:v>15347.333333333299</c:v>
+                </c:pt>
+                <c:pt idx="80">
+                  <c:v>15536.833333333299</c:v>
+                </c:pt>
+                <c:pt idx="81">
+                  <c:v>15726.333333333299</c:v>
+                </c:pt>
+                <c:pt idx="82">
+                  <c:v>15915.833333333299</c:v>
+                </c:pt>
+                <c:pt idx="83">
+                  <c:v>16105.333333333299</c:v>
+                </c:pt>
+                <c:pt idx="84">
+                  <c:v>16294.833333333299</c:v>
+                </c:pt>
+                <c:pt idx="85">
+                  <c:v>16533.333330000001</c:v>
+                </c:pt>
+                <c:pt idx="86">
+                  <c:v>17673.833333333299</c:v>
+                </c:pt>
+                <c:pt idx="87">
+                  <c:v>18778.333333333299</c:v>
+                </c:pt>
+              </c:numCache>
+            </c:numRef>
+          </c:xVal>
+          <c:yVal>
+            <c:numRef>
+              <c:f>Sheet1!$D$1:$D$100</c:f>
+              <c:numCache>
+                <c:formatCode>General</c:formatCode>
+                <c:ptCount val="100"/>
+                <c:pt idx="0">
+                  <c:v>4594</c:v>
+                </c:pt>
+                <c:pt idx="1">
+                  <c:v>6033</c:v>
+                </c:pt>
+                <c:pt idx="2">
+                  <c:v>7693</c:v>
+                </c:pt>
+                <c:pt idx="3">
+                  <c:v>5900</c:v>
+                </c:pt>
+                <c:pt idx="4">
+                  <c:v>8784</c:v>
+                </c:pt>
+                <c:pt idx="5">
+                  <c:v>11929</c:v>
+                </c:pt>
+                <c:pt idx="6">
+                  <c:v>13280</c:v>
+                </c:pt>
+                <c:pt idx="7">
+                  <c:v>11780</c:v>
+                </c:pt>
+                <c:pt idx="8">
+                  <c:v>12684</c:v>
+                </c:pt>
+                <c:pt idx="9">
+                  <c:v>15692</c:v>
+                </c:pt>
+                <c:pt idx="10">
+                  <c:v>26745</c:v>
+                </c:pt>
+                <c:pt idx="11">
+                  <c:v>13931</c:v>
+                </c:pt>
+                <c:pt idx="12">
+                  <c:v>15590</c:v>
+                </c:pt>
+                <c:pt idx="13">
+                  <c:v>18374</c:v>
+                </c:pt>
+                <c:pt idx="14">
+                  <c:v>19159</c:v>
+                </c:pt>
+                <c:pt idx="15">
+                  <c:v>18691</c:v>
+                </c:pt>
+                <c:pt idx="16">
+                  <c:v>22042</c:v>
+                </c:pt>
+                <c:pt idx="17">
+                  <c:v>24654</c:v>
+                </c:pt>
+                <c:pt idx="18">
+                  <c:v>25295</c:v>
+                </c:pt>
+                <c:pt idx="19">
+                  <c:v>21867</c:v>
+                </c:pt>
+                <c:pt idx="20">
+                  <c:v>24719</c:v>
+                </c:pt>
+                <c:pt idx="21">
+                  <c:v>25979</c:v>
+                </c:pt>
+                <c:pt idx="22">
+                  <c:v>28339</c:v>
+                </c:pt>
+                <c:pt idx="23">
+                  <c:v>29993</c:v>
+                </c:pt>
+                <c:pt idx="24">
+                  <c:v>30921</c:v>
+                </c:pt>
+                <c:pt idx="25">
+                  <c:v>34194</c:v>
+                </c:pt>
+                <c:pt idx="26">
+                  <c:v>37788</c:v>
+                </c:pt>
+                <c:pt idx="27">
+                  <c:v>37177</c:v>
+                </c:pt>
+                <c:pt idx="28">
+                  <c:v>33820</c:v>
+                </c:pt>
+                <c:pt idx="29">
+                  <c:v>38900</c:v>
+                </c:pt>
+                <c:pt idx="30">
+                  <c:v>39981</c:v>
+                </c:pt>
+                <c:pt idx="31">
+                  <c:v>43363</c:v>
+                </c:pt>
+                <c:pt idx="32">
+                  <c:v>40856</c:v>
+                </c:pt>
+                <c:pt idx="33">
+                  <c:v>45346</c:v>
+                </c:pt>
+                <c:pt idx="34">
+                  <c:v>39264</c:v>
+                </c:pt>
+                <c:pt idx="35">
+                  <c:v>42153</c:v>
+                </c:pt>
+                <c:pt idx="36">
+                  <c:v>39493</c:v>
+                </c:pt>
+                <c:pt idx="37">
+                  <c:v>41738</c:v>
+                </c:pt>
+                <c:pt idx="38">
+                  <c:v>51327</c:v>
+                </c:pt>
+                <c:pt idx="39">
+                  <c:v>54139</c:v>
+                </c:pt>
+                <c:pt idx="40">
+                  <c:v>57242</c:v>
+                </c:pt>
+                <c:pt idx="41">
+                  <c:v>55210</c:v>
+                </c:pt>
+                <c:pt idx="42">
+                  <c:v>54002</c:v>
+                </c:pt>
+                <c:pt idx="43">
+                  <c:v>51227</c:v>
+                </c:pt>
+                <c:pt idx="44">
+                  <c:v>52562</c:v>
+                </c:pt>
+                <c:pt idx="45">
+                  <c:v>51243</c:v>
+                </c:pt>
+                <c:pt idx="46">
+                  <c:v>55657</c:v>
+                </c:pt>
+                <c:pt idx="47">
+                  <c:v>58693</c:v>
+                </c:pt>
+                <c:pt idx="48">
+                  <c:v>56432</c:v>
+                </c:pt>
+                <c:pt idx="49">
+                  <c:v>52345</c:v>
+                </c:pt>
+                <c:pt idx="50">
+                  <c:v>56123</c:v>
+                </c:pt>
+                <c:pt idx="51">
+                  <c:v>55143</c:v>
+                </c:pt>
+                <c:pt idx="52">
+                  <c:v>64626</c:v>
+                </c:pt>
+                <c:pt idx="53">
+                  <c:v>54326</c:v>
+                </c:pt>
+                <c:pt idx="54">
+                  <c:v>55479</c:v>
+                </c:pt>
+                <c:pt idx="55">
+                  <c:v>51007</c:v>
+                </c:pt>
+                <c:pt idx="56">
+                  <c:v>45124</c:v>
+                </c:pt>
+                <c:pt idx="57">
+                  <c:v>45505</c:v>
+                </c:pt>
+                <c:pt idx="58">
+                  <c:v>24333</c:v>
+                </c:pt>
+                <c:pt idx="59">
+                  <c:v>22015</c:v>
+                </c:pt>
+                <c:pt idx="60">
+                  <c:v>21648</c:v>
+                </c:pt>
+                <c:pt idx="61">
+                  <c:v>20976</c:v>
+                </c:pt>
+                <c:pt idx="62">
+                  <c:v>21707</c:v>
+                </c:pt>
+                <c:pt idx="63">
+                  <c:v>22184</c:v>
+                </c:pt>
+                <c:pt idx="64">
+                  <c:v>20762</c:v>
+                </c:pt>
+                <c:pt idx="65">
+                  <c:v>23365</c:v>
+                </c:pt>
+                <c:pt idx="66">
+                  <c:v>23348</c:v>
+                </c:pt>
+                <c:pt idx="67">
+                  <c:v>24407</c:v>
+                </c:pt>
+                <c:pt idx="68">
+                  <c:v>26153</c:v>
+                </c:pt>
+                <c:pt idx="69">
+                  <c:v>24799</c:v>
+                </c:pt>
+                <c:pt idx="70">
+                  <c:v>25699</c:v>
+                </c:pt>
+                <c:pt idx="71">
+                  <c:v>28012</c:v>
+                </c:pt>
+                <c:pt idx="72">
+                  <c:v>27321</c:v>
+                </c:pt>
+                <c:pt idx="73">
+                  <c:v>27627</c:v>
+                </c:pt>
+                <c:pt idx="74">
+                  <c:v>27761</c:v>
+                </c:pt>
+                <c:pt idx="75">
+                  <c:v>28272</c:v>
+                </c:pt>
+                <c:pt idx="76">
+                  <c:v>20762</c:v>
+                </c:pt>
+                <c:pt idx="77">
+                  <c:v>23365</c:v>
+                </c:pt>
+                <c:pt idx="78">
+                  <c:v>23348</c:v>
+                </c:pt>
+                <c:pt idx="79">
+                  <c:v>24407</c:v>
+                </c:pt>
+                <c:pt idx="80">
+                  <c:v>26153</c:v>
+                </c:pt>
+                <c:pt idx="81">
+                  <c:v>24799</c:v>
+                </c:pt>
+                <c:pt idx="82">
+                  <c:v>25699</c:v>
+                </c:pt>
+                <c:pt idx="83">
+                  <c:v>28012</c:v>
+                </c:pt>
+                <c:pt idx="84">
+                  <c:v>27321</c:v>
+                </c:pt>
+                <c:pt idx="85">
+                  <c:v>27627</c:v>
+                </c:pt>
+                <c:pt idx="86">
+                  <c:v>27761</c:v>
+                </c:pt>
+                <c:pt idx="87">
+                  <c:v>28272</c:v>
+                </c:pt>
+              </c:numCache>
+            </c:numRef>
+          </c:yVal>
+          <c:smooth val="0"/>
+          <c:extLst>
+            <c:ext xmlns:c16="http://schemas.microsoft.com/office/drawing/2014/chart" uri="{C3380CC4-5D6E-409C-BE32-E72D297353CC}">
+              <c16:uniqueId val="{00000000-91FB-004B-A91F-69725A34EC39}"/>
+            </c:ext>
+          </c:extLst>
+        </c:ser>
+        <c:dLbls>
+          <c:showLegendKey val="0"/>
+          <c:showVal val="0"/>
+          <c:showCatName val="0"/>
+          <c:showSerName val="0"/>
+          <c:showPercent val="0"/>
+          <c:showBubbleSize val="0"/>
+        </c:dLbls>
+        <c:axId val="562752992"/>
+        <c:axId val="556689808"/>
+      </c:scatterChart>
+      <c:valAx>
+        <c:axId val="562752992"/>
+        <c:scaling>
+          <c:orientation val="minMax"/>
+        </c:scaling>
+        <c:delete val="0"/>
+        <c:axPos val="b"/>
+        <c:title>
+          <c:tx>
+            <c:rich>
+              <a:bodyPr rot="0" spcFirstLastPara="1" vertOverflow="ellipsis" vert="horz" wrap="square" anchor="ctr" anchorCtr="1"/>
+              <a:lstStyle/>
+              <a:p>
+                <a:pPr>
+                  <a:defRPr sz="1000" b="0" i="0" u="none" strike="noStrike" kern="1200" baseline="0">
+                    <a:solidFill>
+                      <a:schemeClr val="tx1">
+                        <a:lumMod val="65000"/>
+                        <a:lumOff val="35000"/>
+                      </a:schemeClr>
+                    </a:solidFill>
+                    <a:latin typeface="+mn-lt"/>
+                    <a:ea typeface="+mn-ea"/>
+                    <a:cs typeface="+mn-cs"/>
+                  </a:defRPr>
+                </a:pPr>
+                <a:r>
+                  <a:rPr lang="en-US"/>
+                  <a:t># of Records</a:t>
+                </a:r>
+              </a:p>
+            </c:rich>
+          </c:tx>
+          <c:overlay val="0"/>
+          <c:spPr>
+            <a:noFill/>
+            <a:ln>
+              <a:noFill/>
+            </a:ln>
+            <a:effectLst/>
+          </c:spPr>
+          <c:txPr>
+            <a:bodyPr rot="0" spcFirstLastPara="1" vertOverflow="ellipsis" vert="horz" wrap="square" anchor="ctr" anchorCtr="1"/>
+            <a:lstStyle/>
+            <a:p>
+              <a:pPr>
+                <a:defRPr sz="1000" b="0" i="0" u="none" strike="noStrike" kern="1200" baseline="0">
+                  <a:solidFill>
+                    <a:schemeClr val="tx1">
+                      <a:lumMod val="65000"/>
+                      <a:lumOff val="35000"/>
+                    </a:schemeClr>
+                  </a:solidFill>
+                  <a:latin typeface="+mn-lt"/>
+                  <a:ea typeface="+mn-ea"/>
+                  <a:cs typeface="+mn-cs"/>
+                </a:defRPr>
+              </a:pPr>
+              <a:endParaRPr lang="en-US"/>
+            </a:p>
+          </c:txPr>
+        </c:title>
+        <c:numFmt formatCode="General" sourceLinked="1"/>
+        <c:majorTickMark val="none"/>
+        <c:minorTickMark val="none"/>
+        <c:tickLblPos val="nextTo"/>
+        <c:spPr>
+          <a:noFill/>
+          <a:ln w="9525" cap="flat" cmpd="sng" algn="ctr">
+            <a:solidFill>
+              <a:schemeClr val="tx1">
+                <a:lumMod val="25000"/>
+                <a:lumOff val="75000"/>
+              </a:schemeClr>
+            </a:solidFill>
+            <a:round/>
+          </a:ln>
+          <a:effectLst/>
+        </c:spPr>
+        <c:txPr>
+          <a:bodyPr rot="-60000000" spcFirstLastPara="1" vertOverflow="ellipsis" vert="horz" wrap="square" anchor="ctr" anchorCtr="1"/>
+          <a:lstStyle/>
+          <a:p>
+            <a:pPr>
+              <a:defRPr sz="900" b="0" i="0" u="none" strike="noStrike" kern="1200" baseline="0">
+                <a:solidFill>
+                  <a:schemeClr val="tx1">
+                    <a:lumMod val="65000"/>
+                    <a:lumOff val="35000"/>
+                  </a:schemeClr>
+                </a:solidFill>
+                <a:latin typeface="+mn-lt"/>
+                <a:ea typeface="+mn-ea"/>
+                <a:cs typeface="+mn-cs"/>
+              </a:defRPr>
+            </a:pPr>
+            <a:endParaRPr lang="en-US"/>
+          </a:p>
+        </c:txPr>
+        <c:crossAx val="556689808"/>
+        <c:crosses val="autoZero"/>
+        <c:crossBetween val="midCat"/>
+      </c:valAx>
+      <c:valAx>
+        <c:axId val="556689808"/>
+        <c:scaling>
+          <c:orientation val="minMax"/>
+        </c:scaling>
+        <c:delete val="0"/>
+        <c:axPos val="l"/>
+        <c:majorGridlines>
+          <c:spPr>
+            <a:ln w="9525" cap="flat" cmpd="sng" algn="ctr">
+              <a:solidFill>
+                <a:schemeClr val="tx1">
+                  <a:lumMod val="15000"/>
+                  <a:lumOff val="85000"/>
+                </a:schemeClr>
+              </a:solidFill>
+              <a:round/>
+            </a:ln>
+            <a:effectLst/>
+          </c:spPr>
+        </c:majorGridlines>
+        <c:title>
+          <c:tx>
+            <c:rich>
+              <a:bodyPr rot="-5400000" spcFirstLastPara="1" vertOverflow="ellipsis" vert="horz" wrap="square" anchor="ctr" anchorCtr="1"/>
+              <a:lstStyle/>
+              <a:p>
+                <a:pPr>
+                  <a:defRPr sz="1000" b="0" i="0" u="none" strike="noStrike" kern="1200" baseline="0">
+                    <a:solidFill>
+                      <a:schemeClr val="tx1">
+                        <a:lumMod val="65000"/>
+                        <a:lumOff val="35000"/>
+                      </a:schemeClr>
+                    </a:solidFill>
+                    <a:latin typeface="+mn-lt"/>
+                    <a:ea typeface="+mn-ea"/>
+                    <a:cs typeface="+mn-cs"/>
+                  </a:defRPr>
+                </a:pPr>
+                <a:r>
+                  <a:rPr lang="en-US"/>
+                  <a:t>#</a:t>
+                </a:r>
+                <a:r>
+                  <a:rPr lang="en-US" baseline="0"/>
+                  <a:t> of Milliseconds for Latency</a:t>
+                </a:r>
+                <a:endParaRPr lang="en-US"/>
+              </a:p>
+            </c:rich>
+          </c:tx>
+          <c:overlay val="0"/>
+          <c:spPr>
+            <a:noFill/>
+            <a:ln>
+              <a:noFill/>
+            </a:ln>
+            <a:effectLst/>
+          </c:spPr>
+          <c:txPr>
+            <a:bodyPr rot="-5400000" spcFirstLastPara="1" vertOverflow="ellipsis" vert="horz" wrap="square" anchor="ctr" anchorCtr="1"/>
+            <a:lstStyle/>
+            <a:p>
+              <a:pPr>
+                <a:defRPr sz="1000" b="0" i="0" u="none" strike="noStrike" kern="1200" baseline="0">
+                  <a:solidFill>
+                    <a:schemeClr val="tx1">
+                      <a:lumMod val="65000"/>
+                      <a:lumOff val="35000"/>
+                    </a:schemeClr>
+                  </a:solidFill>
+                  <a:latin typeface="+mn-lt"/>
+                  <a:ea typeface="+mn-ea"/>
+                  <a:cs typeface="+mn-cs"/>
+                </a:defRPr>
+              </a:pPr>
+              <a:endParaRPr lang="en-US"/>
+            </a:p>
+          </c:txPr>
+        </c:title>
+        <c:numFmt formatCode="General" sourceLinked="1"/>
+        <c:majorTickMark val="none"/>
+        <c:minorTickMark val="none"/>
+        <c:tickLblPos val="nextTo"/>
+        <c:spPr>
+          <a:noFill/>
+          <a:ln w="9525" cap="flat" cmpd="sng" algn="ctr">
+            <a:solidFill>
+              <a:schemeClr val="tx1">
+                <a:lumMod val="25000"/>
+                <a:lumOff val="75000"/>
+              </a:schemeClr>
+            </a:solidFill>
+            <a:round/>
+          </a:ln>
+          <a:effectLst/>
+        </c:spPr>
+        <c:txPr>
+          <a:bodyPr rot="-60000000" spcFirstLastPara="1" vertOverflow="ellipsis" vert="horz" wrap="square" anchor="ctr" anchorCtr="1"/>
+          <a:lstStyle/>
+          <a:p>
+            <a:pPr>
+              <a:defRPr sz="900" b="0" i="0" u="none" strike="noStrike" kern="1200" baseline="0">
+                <a:solidFill>
+                  <a:schemeClr val="tx1">
+                    <a:lumMod val="65000"/>
+                    <a:lumOff val="35000"/>
+                  </a:schemeClr>
+                </a:solidFill>
+                <a:latin typeface="+mn-lt"/>
+                <a:ea typeface="+mn-ea"/>
+                <a:cs typeface="+mn-cs"/>
+              </a:defRPr>
+            </a:pPr>
+            <a:endParaRPr lang="en-US"/>
+          </a:p>
+        </c:txPr>
+        <c:crossAx val="562752992"/>
+        <c:crosses val="autoZero"/>
+        <c:crossBetween val="midCat"/>
+      </c:valAx>
+      <c:spPr>
+        <a:noFill/>
+        <a:ln>
+          <a:noFill/>
+        </a:ln>
+        <a:effectLst/>
+      </c:spPr>
+    </c:plotArea>
+    <c:legend>
+      <c:legendPos val="r"/>
+      <c:overlay val="0"/>
+      <c:spPr>
+        <a:noFill/>
+        <a:ln>
+          <a:noFill/>
+        </a:ln>
+        <a:effectLst/>
+      </c:spPr>
+      <c:txPr>
+        <a:bodyPr rot="0" spcFirstLastPara="1" vertOverflow="ellipsis" vert="horz" wrap="square" anchor="ctr" anchorCtr="1"/>
+        <a:lstStyle/>
+        <a:p>
+          <a:pPr>
+            <a:defRPr sz="900" b="0" i="0" u="none" strike="noStrike" kern="1200" baseline="0">
+              <a:solidFill>
+                <a:schemeClr val="tx1">
+                  <a:lumMod val="65000"/>
+                  <a:lumOff val="35000"/>
+                </a:schemeClr>
+              </a:solidFill>
+              <a:latin typeface="+mn-lt"/>
+              <a:ea typeface="+mn-ea"/>
+              <a:cs typeface="+mn-cs"/>
+            </a:defRPr>
+          </a:pPr>
+          <a:endParaRPr lang="en-US"/>
+        </a:p>
+      </c:txPr>
+    </c:legend>
+    <c:plotVisOnly val="1"/>
+    <c:dispBlanksAs val="gap"/>
+    <c:showDLblsOverMax val="0"/>
+  </c:chart>
+  <c:spPr>
+    <a:noFill/>
+    <a:ln>
+      <a:noFill/>
+    </a:ln>
+    <a:effectLst/>
+  </c:spPr>
+  <c:txPr>
+    <a:bodyPr/>
+    <a:lstStyle/>
+    <a:p>
+      <a:pPr>
+        <a:defRPr/>
+      </a:pPr>
+      <a:endParaRPr lang="en-US"/>
+    </a:p>
+  </c:txPr>
+  <c:externalData r:id="rId3">
+    <c:autoUpdate val="0"/>
+  </c:externalData>
+</c:chartSpace>
+</file>
+
+<file path=ppt/charts/colors1.xml><?xml version="1.0" encoding="utf-8"?>
+<cs:colorStyle xmlns:cs="http://schemas.microsoft.com/office/drawing/2012/chartStyle" xmlns:a="http://schemas.openxmlformats.org/drawingml/2006/main" meth="cycle" id="10">
+  <a:schemeClr val="accent1"/>
+  <a:schemeClr val="accent2"/>
+  <a:schemeClr val="accent3"/>
+  <a:schemeClr val="accent4"/>
+  <a:schemeClr val="accent5"/>
+  <a:schemeClr val="accent6"/>
+  <cs:variation/>
+  <cs:variation>
+    <a:lumMod val="60000"/>
+  </cs:variation>
+  <cs:variation>
+    <a:lumMod val="80000"/>
+    <a:lumOff val="20000"/>
+  </cs:variation>
+  <cs:variation>
+    <a:lumMod val="80000"/>
+  </cs:variation>
+  <cs:variation>
+    <a:lumMod val="60000"/>
+    <a:lumOff val="40000"/>
+  </cs:variation>
+  <cs:variation>
+    <a:lumMod val="50000"/>
+  </cs:variation>
+  <cs:variation>
+    <a:lumMod val="70000"/>
+    <a:lumOff val="30000"/>
+  </cs:variation>
+  <cs:variation>
+    <a:lumMod val="70000"/>
+  </cs:variation>
+  <cs:variation>
+    <a:lumMod val="50000"/>
+    <a:lumOff val="50000"/>
+  </cs:variation>
+</cs:colorStyle>
+</file>
+
+<file path=ppt/charts/style1.xml><?xml version="1.0" encoding="utf-8"?>
+<cs:chartStyle xmlns:cs="http://schemas.microsoft.com/office/drawing/2012/chartStyle" xmlns:a="http://schemas.openxmlformats.org/drawingml/2006/main" id="240">
+  <cs:axisTitle>
+    <cs:lnRef idx="0"/>
+    <cs:fillRef idx="0"/>
+    <cs:effectRef idx="0"/>
+    <cs:fontRef idx="minor">
+      <a:schemeClr val="tx1">
+        <a:lumMod val="65000"/>
+        <a:lumOff val="35000"/>
+      </a:schemeClr>
+    </cs:fontRef>
+    <cs:defRPr sz="1000" kern="1200"/>
+  </cs:axisTitle>
+  <cs:categoryAxis>
+    <cs:lnRef idx="0"/>
+    <cs:fillRef idx="0"/>
+    <cs:effectRef idx="0"/>
+    <cs:fontRef idx="minor">
+      <a:schemeClr val="tx1">
+        <a:lumMod val="65000"/>
+        <a:lumOff val="35000"/>
+      </a:schemeClr>
+    </cs:fontRef>
+    <cs:spPr>
+      <a:ln w="9525" cap="flat" cmpd="sng" algn="ctr">
+        <a:solidFill>
+          <a:schemeClr val="tx1">
+            <a:lumMod val="25000"/>
+            <a:lumOff val="75000"/>
+          </a:schemeClr>
+        </a:solidFill>
+        <a:round/>
+      </a:ln>
+    </cs:spPr>
+    <cs:defRPr sz="900" kern="1200"/>
+  </cs:categoryAxis>
+  <cs:chartArea mods="allowNoFillOverride allowNoLineOverride">
+    <cs:lnRef idx="0"/>
+    <cs:fillRef idx="0"/>
+    <cs:effectRef idx="0"/>
+    <cs:fontRef idx="minor">
+      <a:schemeClr val="tx1"/>
+    </cs:fontRef>
+    <cs:spPr>
+      <a:solidFill>
+        <a:schemeClr val="bg1"/>
+      </a:solidFill>
+      <a:ln w="9525" cap="flat" cmpd="sng" algn="ctr">
+        <a:solidFill>
+          <a:schemeClr val="tx1">
+            <a:lumMod val="15000"/>
+            <a:lumOff val="85000"/>
+          </a:schemeClr>
+        </a:solidFill>
+        <a:round/>
+      </a:ln>
+    </cs:spPr>
+    <cs:defRPr sz="1000" kern="1200"/>
+  </cs:chartArea>
+  <cs:dataLabel>
+    <cs:lnRef idx="0"/>
+    <cs:fillRef idx="0"/>
+    <cs:effectRef idx="0"/>
+    <cs:fontRef idx="minor">
+      <a:schemeClr val="tx1">
+        <a:lumMod val="75000"/>
+        <a:lumOff val="25000"/>
+      </a:schemeClr>
+    </cs:fontRef>
+    <cs:defRPr sz="900" kern="1200"/>
+  </cs:dataLabel>
+  <cs:dataLabelCallout>
+    <cs:lnRef idx="0"/>
+    <cs:fillRef idx="0"/>
+    <cs:effectRef idx="0"/>
+    <cs:fontRef idx="minor">
+      <a:schemeClr val="dk1">
+        <a:lumMod val="65000"/>
+        <a:lumOff val="35000"/>
+      </a:schemeClr>
+    </cs:fontRef>
+    <cs:spPr>
+      <a:solidFill>
+        <a:schemeClr val="lt1"/>
+      </a:solidFill>
+      <a:ln>
+        <a:solidFill>
+          <a:schemeClr val="dk1">
+            <a:lumMod val="25000"/>
+            <a:lumOff val="75000"/>
+          </a:schemeClr>
+        </a:solidFill>
+      </a:ln>
+    </cs:spPr>
+    <cs:defRPr sz="900" kern="1200"/>
+    <cs:bodyPr rot="0" spcFirstLastPara="1" vertOverflow="clip" horzOverflow="clip" vert="horz" wrap="square" lIns="36576" tIns="18288" rIns="36576" bIns="18288" anchor="ctr" anchorCtr="1">
+      <a:spAutoFit/>
+    </cs:bodyPr>
+  </cs:dataLabelCallout>
+  <cs:dataPoint>
+    <cs:lnRef idx="0"/>
+    <cs:fillRef idx="1">
+      <cs:styleClr val="auto"/>
+    </cs:fillRef>
+    <cs:effectRef idx="0"/>
+    <cs:fontRef idx="minor">
+      <a:schemeClr val="tx1"/>
+    </cs:fontRef>
+  </cs:dataPoint>
+  <cs:dataPoint3D>
+    <cs:lnRef idx="0"/>
+    <cs:fillRef idx="1">
+      <cs:styleClr val="auto"/>
+    </cs:fillRef>
+    <cs:effectRef idx="0"/>
+    <cs:fontRef idx="minor">
+      <a:schemeClr val="tx1"/>
+    </cs:fontRef>
+  </cs:dataPoint3D>
+  <cs:dataPointLine>
+    <cs:lnRef idx="0">
+      <cs:styleClr val="auto"/>
+    </cs:lnRef>
+    <cs:fillRef idx="1"/>
+    <cs:effectRef idx="0"/>
+    <cs:fontRef idx="minor">
+      <a:schemeClr val="tx1"/>
+    </cs:fontRef>
+    <cs:spPr>
+      <a:ln w="19050" cap="rnd">
+        <a:solidFill>
+          <a:schemeClr val="phClr"/>
+        </a:solidFill>
+        <a:round/>
+      </a:ln>
+    </cs:spPr>
+  </cs:dataPointLine>
+  <cs:dataPointMarker>
+    <cs:lnRef idx="0">
+      <cs:styleClr val="auto"/>
+    </cs:lnRef>
+    <cs:fillRef idx="1">
+      <cs:styleClr val="auto"/>
+    </cs:fillRef>
+    <cs:effectRef idx="0"/>
+    <cs:fontRef idx="minor">
+      <a:schemeClr val="tx1"/>
+    </cs:fontRef>
+    <cs:spPr>
+      <a:ln w="9525">
+        <a:solidFill>
+          <a:schemeClr val="phClr"/>
+        </a:solidFill>
+      </a:ln>
+    </cs:spPr>
+  </cs:dataPointMarker>
+  <cs:dataPointMarkerLayout symbol="circle" size="5"/>
+  <cs:dataPointWireframe>
+    <cs:lnRef idx="0">
+      <cs:styleClr val="auto"/>
+    </cs:lnRef>
+    <cs:fillRef idx="0"/>
+    <cs:effectRef idx="0"/>
+    <cs:fontRef idx="minor">
+      <a:schemeClr val="dk1"/>
+    </cs:fontRef>
+    <cs:spPr>
+      <a:ln w="9525" cap="rnd">
+        <a:solidFill>
+          <a:schemeClr val="phClr"/>
+        </a:solidFill>
+        <a:round/>
+      </a:ln>
+    </cs:spPr>
+  </cs:dataPointWireframe>
+  <cs:dataTable>
+    <cs:lnRef idx="0"/>
+    <cs:fillRef idx="0"/>
+    <cs:effectRef idx="0"/>
+    <cs:fontRef idx="minor">
+      <a:schemeClr val="tx1">
+        <a:lumMod val="65000"/>
+        <a:lumOff val="35000"/>
+      </a:schemeClr>
+    </cs:fontRef>
+    <cs:spPr>
+      <a:noFill/>
+      <a:ln w="9525" cap="flat" cmpd="sng" algn="ctr">
+        <a:solidFill>
+          <a:schemeClr val="tx1">
+            <a:lumMod val="15000"/>
+            <a:lumOff val="85000"/>
+          </a:schemeClr>
+        </a:solidFill>
+        <a:round/>
+      </a:ln>
+    </cs:spPr>
+    <cs:defRPr sz="900" kern="1200"/>
+  </cs:dataTable>
+  <cs:downBar>
+    <cs:lnRef idx="0"/>
+    <cs:fillRef idx="0"/>
+    <cs:effectRef idx="0"/>
+    <cs:fontRef idx="minor">
+      <a:schemeClr val="tx1"/>
+    </cs:fontRef>
+    <cs:spPr>
+      <a:solidFill>
+        <a:schemeClr val="dk1">
+          <a:lumMod val="75000"/>
+          <a:lumOff val="25000"/>
+        </a:schemeClr>
+      </a:solidFill>
+      <a:ln w="9525" cap="flat" cmpd="sng" algn="ctr">
+        <a:solidFill>
+          <a:schemeClr val="tx1">
+            <a:lumMod val="65000"/>
+            <a:lumOff val="35000"/>
+          </a:schemeClr>
+        </a:solidFill>
+        <a:round/>
+      </a:ln>
+    </cs:spPr>
+  </cs:downBar>
+  <cs:dropLine>
+    <cs:lnRef idx="0"/>
+    <cs:fillRef idx="0"/>
+    <cs:effectRef idx="0"/>
+    <cs:fontRef idx="minor">
+      <a:schemeClr val="tx1"/>
+    </cs:fontRef>
+    <cs:spPr>
+      <a:ln w="9525" cap="flat" cmpd="sng" algn="ctr">
+        <a:solidFill>
+          <a:schemeClr val="tx1">
+            <a:lumMod val="35000"/>
+            <a:lumOff val="65000"/>
+          </a:schemeClr>
+        </a:solidFill>
+        <a:round/>
+      </a:ln>
+    </cs:spPr>
+  </cs:dropLine>
+  <cs:errorBar>
+    <cs:lnRef idx="0"/>
+    <cs:fillRef idx="0"/>
+    <cs:effectRef idx="0"/>
+    <cs:fontRef idx="minor">
+      <a:schemeClr val="tx1"/>
+    </cs:fontRef>
+    <cs:spPr>
+      <a:ln w="9525" cap="flat" cmpd="sng" algn="ctr">
+        <a:solidFill>
+          <a:schemeClr val="tx1">
+            <a:lumMod val="65000"/>
+            <a:lumOff val="35000"/>
+          </a:schemeClr>
+        </a:solidFill>
+        <a:round/>
+      </a:ln>
+    </cs:spPr>
+  </cs:errorBar>
+  <cs:floor>
+    <cs:lnRef idx="0"/>
+    <cs:fillRef idx="0"/>
+    <cs:effectRef idx="0"/>
+    <cs:fontRef idx="minor">
+      <a:schemeClr val="tx1"/>
+    </cs:fontRef>
+    <cs:spPr>
+      <a:noFill/>
+      <a:ln>
+        <a:noFill/>
+      </a:ln>
+    </cs:spPr>
+  </cs:floor>
+  <cs:gridlineMajor>
+    <cs:lnRef idx="0"/>
+    <cs:fillRef idx="0"/>
+    <cs:effectRef idx="0"/>
+    <cs:fontRef idx="minor">
+      <a:schemeClr val="tx1"/>
+    </cs:fontRef>
+    <cs:spPr>
+      <a:ln w="9525" cap="flat" cmpd="sng" algn="ctr">
+        <a:solidFill>
+          <a:schemeClr val="tx1">
+            <a:lumMod val="15000"/>
+            <a:lumOff val="85000"/>
+          </a:schemeClr>
+        </a:solidFill>
+        <a:round/>
+      </a:ln>
+    </cs:spPr>
+  </cs:gridlineMajor>
+  <cs:gridlineMinor>
+    <cs:lnRef idx="0"/>
+    <cs:fillRef idx="0"/>
+    <cs:effectRef idx="0"/>
+    <cs:fontRef idx="minor">
+      <a:schemeClr val="tx1"/>
+    </cs:fontRef>
+    <cs:spPr>
+      <a:ln w="9525" cap="flat" cmpd="sng" algn="ctr">
+        <a:solidFill>
+          <a:schemeClr val="tx1">
+            <a:lumMod val="5000"/>
+            <a:lumOff val="95000"/>
+          </a:schemeClr>
+        </a:solidFill>
+        <a:round/>
+      </a:ln>
+    </cs:spPr>
+  </cs:gridlineMinor>
+  <cs:hiLoLine>
+    <cs:lnRef idx="0"/>
+    <cs:fillRef idx="0"/>
+    <cs:effectRef idx="0"/>
+    <cs:fontRef idx="minor">
+      <a:schemeClr val="tx1"/>
+    </cs:fontRef>
+    <cs:spPr>
+      <a:ln w="9525" cap="flat" cmpd="sng" algn="ctr">
+        <a:solidFill>
+          <a:schemeClr val="tx1">
+            <a:lumMod val="50000"/>
+            <a:lumOff val="50000"/>
+          </a:schemeClr>
+        </a:solidFill>
+        <a:round/>
+      </a:ln>
+    </cs:spPr>
+  </cs:hiLoLine>
+  <cs:leaderLine>
+    <cs:lnRef idx="0"/>
+    <cs:fillRef idx="0"/>
+    <cs:effectRef idx="0"/>
+    <cs:fontRef idx="minor">
+      <a:schemeClr val="tx1"/>
+    </cs:fontRef>
+    <cs:spPr>
+      <a:ln w="9525" cap="flat" cmpd="sng" algn="ctr">
+        <a:solidFill>
+          <a:schemeClr val="tx1">
+            <a:lumMod val="35000"/>
+            <a:lumOff val="65000"/>
+          </a:schemeClr>
+        </a:solidFill>
+        <a:round/>
+      </a:ln>
+    </cs:spPr>
+  </cs:leaderLine>
+  <cs:legend>
+    <cs:lnRef idx="0"/>
+    <cs:fillRef idx="0"/>
+    <cs:effectRef idx="0"/>
+    <cs:fontRef idx="minor">
+      <a:schemeClr val="tx1">
+        <a:lumMod val="65000"/>
+        <a:lumOff val="35000"/>
+      </a:schemeClr>
+    </cs:fontRef>
+    <cs:defRPr sz="900" kern="1200"/>
+  </cs:legend>
+  <cs:plotArea mods="allowNoFillOverride allowNoLineOverride">
+    <cs:lnRef idx="0"/>
+    <cs:fillRef idx="0"/>
+    <cs:effectRef idx="0"/>
+    <cs:fontRef idx="minor">
+      <a:schemeClr val="tx1"/>
+    </cs:fontRef>
+  </cs:plotArea>
+  <cs:plotArea3D mods="allowNoFillOverride allowNoLineOverride">
+    <cs:lnRef idx="0"/>
+    <cs:fillRef idx="0"/>
+    <cs:effectRef idx="0"/>
+    <cs:fontRef idx="minor">
+      <a:schemeClr val="tx1"/>
+    </cs:fontRef>
+  </cs:plotArea3D>
+  <cs:seriesAxis>
+    <cs:lnRef idx="0"/>
+    <cs:fillRef idx="0"/>
+    <cs:effectRef idx="0"/>
+    <cs:fontRef idx="minor">
+      <a:schemeClr val="tx1">
+        <a:lumMod val="65000"/>
+        <a:lumOff val="35000"/>
+      </a:schemeClr>
+    </cs:fontRef>
+    <cs:defRPr sz="900" kern="1200"/>
+  </cs:seriesAxis>
+  <cs:seriesLine>
+    <cs:lnRef idx="0"/>
+    <cs:fillRef idx="0"/>
+    <cs:effectRef idx="0"/>
+    <cs:fontRef idx="minor">
+      <a:schemeClr val="tx1"/>
+    </cs:fontRef>
+    <cs:spPr>
+      <a:ln w="9525" cap="flat" cmpd="sng" algn="ctr">
+        <a:solidFill>
+          <a:schemeClr val="tx1">
+            <a:lumMod val="35000"/>
+            <a:lumOff val="65000"/>
+          </a:schemeClr>
+        </a:solidFill>
+        <a:round/>
+      </a:ln>
+    </cs:spPr>
+  </cs:seriesLine>
+  <cs:title>
+    <cs:lnRef idx="0"/>
+    <cs:fillRef idx="0"/>
+    <cs:effectRef idx="0"/>
+    <cs:fontRef idx="minor">
+      <a:schemeClr val="tx1">
+        <a:lumMod val="65000"/>
+        <a:lumOff val="35000"/>
+      </a:schemeClr>
+    </cs:fontRef>
+    <cs:defRPr sz="1400" b="0" kern="1200" spc="0" baseline="0"/>
+  </cs:title>
+  <cs:trendline>
+    <cs:lnRef idx="0">
+      <cs:styleClr val="auto"/>
+    </cs:lnRef>
+    <cs:fillRef idx="0"/>
+    <cs:effectRef idx="0"/>
+    <cs:fontRef idx="minor">
+      <a:schemeClr val="tx1"/>
+    </cs:fontRef>
+    <cs:spPr>
+      <a:ln w="19050" cap="rnd">
+        <a:solidFill>
+          <a:schemeClr val="phClr"/>
+        </a:solidFill>
+        <a:prstDash val="sysDot"/>
+      </a:ln>
+    </cs:spPr>
+  </cs:trendline>
+  <cs:trendlineLabel>
+    <cs:lnRef idx="0"/>
+    <cs:fillRef idx="0"/>
+    <cs:effectRef idx="0"/>
+    <cs:fontRef idx="minor">
+      <a:schemeClr val="tx1">
+        <a:lumMod val="65000"/>
+        <a:lumOff val="35000"/>
+      </a:schemeClr>
+    </cs:fontRef>
+    <cs:defRPr sz="900" kern="1200"/>
+  </cs:trendlineLabel>
+  <cs:upBar>
+    <cs:lnRef idx="0"/>
+    <cs:fillRef idx="0"/>
+    <cs:effectRef idx="0"/>
+    <cs:fontRef idx="minor">
+      <a:schemeClr val="tx1"/>
+    </cs:fontRef>
+    <cs:spPr>
+      <a:solidFill>
+        <a:schemeClr val="lt1"/>
+      </a:solidFill>
+      <a:ln w="9525" cap="flat" cmpd="sng" algn="ctr">
+        <a:solidFill>
+          <a:schemeClr val="tx1">
+            <a:lumMod val="65000"/>
+            <a:lumOff val="35000"/>
+          </a:schemeClr>
+        </a:solidFill>
+        <a:round/>
+      </a:ln>
+    </cs:spPr>
+  </cs:upBar>
+  <cs:valueAxis>
+    <cs:lnRef idx="0"/>
+    <cs:fillRef idx="0"/>
+    <cs:effectRef idx="0"/>
+    <cs:fontRef idx="minor">
+      <a:schemeClr val="tx1">
+        <a:lumMod val="65000"/>
+        <a:lumOff val="35000"/>
+      </a:schemeClr>
+    </cs:fontRef>
+    <cs:spPr>
+      <a:ln w="9525" cap="flat" cmpd="sng" algn="ctr">
+        <a:solidFill>
+          <a:schemeClr val="tx1">
+            <a:lumMod val="25000"/>
+            <a:lumOff val="75000"/>
+          </a:schemeClr>
+        </a:solidFill>
+        <a:round/>
+      </a:ln>
+    </cs:spPr>
+    <cs:defRPr sz="900" kern="1200"/>
+  </cs:valueAxis>
+  <cs:wall>
+    <cs:lnRef idx="0"/>
+    <cs:fillRef idx="0"/>
+    <cs:effectRef idx="0"/>
+    <cs:fontRef idx="minor">
+      <a:schemeClr val="tx1"/>
+    </cs:fontRef>
+    <cs:spPr>
+      <a:noFill/>
+      <a:ln>
+        <a:noFill/>
+      </a:ln>
+    </cs:spPr>
+  </cs:wall>
+</cs:chartStyle>
 </file>
 
 <file path=ppt/slideLayouts/slideLayout1.xml><?xml version="1.0" encoding="utf-8"?>
@@ -255,7 +1780,7 @@
           <a:p>
             <a:fld id="{C97B7027-F410-D949-BD71-C989F5B65932}" type="datetimeFigureOut">
               <a:rPr lang="en-US" smtClean="0"/>
-              <a:t>9/22/18</a:t>
+              <a:t>9/30/18</a:t>
             </a:fld>
             <a:endParaRPr lang="en-US"/>
           </a:p>
@@ -453,7 +1978,7 @@
           <a:p>
             <a:fld id="{C97B7027-F410-D949-BD71-C989F5B65932}" type="datetimeFigureOut">
               <a:rPr lang="en-US" smtClean="0"/>
-              <a:t>9/22/18</a:t>
+              <a:t>9/30/18</a:t>
             </a:fld>
             <a:endParaRPr lang="en-US"/>
           </a:p>
@@ -661,7 +2186,7 @@
           <a:p>
             <a:fld id="{C97B7027-F410-D949-BD71-C989F5B65932}" type="datetimeFigureOut">
               <a:rPr lang="en-US" smtClean="0"/>
-              <a:t>9/22/18</a:t>
+              <a:t>9/30/18</a:t>
             </a:fld>
             <a:endParaRPr lang="en-US"/>
           </a:p>
@@ -859,7 +2384,7 @@
           <a:p>
             <a:fld id="{C97B7027-F410-D949-BD71-C989F5B65932}" type="datetimeFigureOut">
               <a:rPr lang="en-US" smtClean="0"/>
-              <a:t>9/22/18</a:t>
+              <a:t>9/30/18</a:t>
             </a:fld>
             <a:endParaRPr lang="en-US"/>
           </a:p>
@@ -1134,7 +2659,7 @@
           <a:p>
             <a:fld id="{C97B7027-F410-D949-BD71-C989F5B65932}" type="datetimeFigureOut">
               <a:rPr lang="en-US" smtClean="0"/>
-              <a:t>9/22/18</a:t>
+              <a:t>9/30/18</a:t>
             </a:fld>
             <a:endParaRPr lang="en-US"/>
           </a:p>
@@ -1399,7 +2924,7 @@
           <a:p>
             <a:fld id="{C97B7027-F410-D949-BD71-C989F5B65932}" type="datetimeFigureOut">
               <a:rPr lang="en-US" smtClean="0"/>
-              <a:t>9/22/18</a:t>
+              <a:t>9/30/18</a:t>
             </a:fld>
             <a:endParaRPr lang="en-US"/>
           </a:p>
@@ -1811,7 +3336,7 @@
           <a:p>
             <a:fld id="{C97B7027-F410-D949-BD71-C989F5B65932}" type="datetimeFigureOut">
               <a:rPr lang="en-US" smtClean="0"/>
-              <a:t>9/22/18</a:t>
+              <a:t>9/30/18</a:t>
             </a:fld>
             <a:endParaRPr lang="en-US"/>
           </a:p>
@@ -1952,7 +3477,7 @@
           <a:p>
             <a:fld id="{C97B7027-F410-D949-BD71-C989F5B65932}" type="datetimeFigureOut">
               <a:rPr lang="en-US" smtClean="0"/>
-              <a:t>9/22/18</a:t>
+              <a:t>9/30/18</a:t>
             </a:fld>
             <a:endParaRPr lang="en-US"/>
           </a:p>
@@ -2065,7 +3590,7 @@
           <a:p>
             <a:fld id="{C97B7027-F410-D949-BD71-C989F5B65932}" type="datetimeFigureOut">
               <a:rPr lang="en-US" smtClean="0"/>
-              <a:t>9/22/18</a:t>
+              <a:t>9/30/18</a:t>
             </a:fld>
             <a:endParaRPr lang="en-US"/>
           </a:p>
@@ -2376,7 +3901,7 @@
           <a:p>
             <a:fld id="{C97B7027-F410-D949-BD71-C989F5B65932}" type="datetimeFigureOut">
               <a:rPr lang="en-US" smtClean="0"/>
-              <a:t>9/22/18</a:t>
+              <a:t>9/30/18</a:t>
             </a:fld>
             <a:endParaRPr lang="en-US"/>
           </a:p>
@@ -2664,7 +4189,7 @@
           <a:p>
             <a:fld id="{C97B7027-F410-D949-BD71-C989F5B65932}" type="datetimeFigureOut">
               <a:rPr lang="en-US" smtClean="0"/>
-              <a:t>9/22/18</a:t>
+              <a:t>9/30/18</a:t>
             </a:fld>
             <a:endParaRPr lang="en-US"/>
           </a:p>
@@ -2905,7 +4430,7 @@
           <a:p>
             <a:fld id="{C97B7027-F410-D949-BD71-C989F5B65932}" type="datetimeFigureOut">
               <a:rPr lang="en-US" smtClean="0"/>
-              <a:t>9/22/18</a:t>
+              <a:t>9/30/18</a:t>
             </a:fld>
             <a:endParaRPr lang="en-US"/>
           </a:p>
@@ -4289,7 +5814,7 @@
         </p:nvGrpSpPr>
         <p:grpSpPr>
           <a:xfrm>
-            <a:off x="6538360" y="3724682"/>
+            <a:off x="6528500" y="3797559"/>
             <a:ext cx="1174284" cy="564959"/>
             <a:chOff x="770353" y="863107"/>
             <a:chExt cx="1174284" cy="564959"/>
@@ -4454,46 +5979,6 @@
           </a:p>
         </p:txBody>
       </p:sp>
-      <p:pic>
-        <p:nvPicPr>
-          <p:cNvPr id="46" name="Picture 45">
-            <a:extLst>
-              <a:ext uri="{FF2B5EF4-FFF2-40B4-BE49-F238E27FC236}">
-                <a16:creationId xmlns:a16="http://schemas.microsoft.com/office/drawing/2014/main" id="{31972B97-876E-B846-B78B-ACAB36DF2BC4}"/>
-              </a:ext>
-            </a:extLst>
-          </p:cNvPr>
-          <p:cNvPicPr>
-            <a:picLocks noChangeAspect="1"/>
-          </p:cNvPicPr>
-          <p:nvPr/>
-        </p:nvPicPr>
-        <p:blipFill>
-          <a:blip r:embed="rId7"/>
-          <a:stretch>
-            <a:fillRect/>
-          </a:stretch>
-        </p:blipFill>
-        <p:spPr>
-          <a:xfrm>
-            <a:off x="8668025" y="1540611"/>
-            <a:ext cx="2128682" cy="1606681"/>
-          </a:xfrm>
-          <a:prstGeom prst="rect">
-            <a:avLst/>
-          </a:prstGeom>
-          <a:solidFill>
-            <a:schemeClr val="bg1"/>
-          </a:solidFill>
-          <a:ln>
-            <a:solidFill>
-              <a:schemeClr val="accent1">
-                <a:shade val="50000"/>
-              </a:schemeClr>
-            </a:solidFill>
-          </a:ln>
-        </p:spPr>
-      </p:pic>
       <p:sp>
         <p:nvSpPr>
           <p:cNvPr id="55" name="Rounded Rectangle 54">
@@ -4952,7 +6437,7 @@
               <a:pPr algn="ctr"/>
               <a:r>
                 <a:rPr lang="en-US" sz="900" b="1" dirty="0"/>
-                <a:t>search index</a:t>
+                <a:t>search indexes</a:t>
               </a:r>
               <a:endParaRPr lang="en-US" sz="1600" b="1" dirty="0"/>
             </a:p>
@@ -5176,7 +6661,7 @@
               <a:pPr algn="ctr"/>
               <a:r>
                 <a:rPr lang="en-US" sz="900" b="1" dirty="0"/>
-                <a:t>search index</a:t>
+                <a:t>search indexes</a:t>
               </a:r>
               <a:endParaRPr lang="en-US" sz="1600" b="1" dirty="0"/>
             </a:p>
@@ -5234,7 +6719,7 @@
         <p:spPr>
           <a:xfrm>
             <a:off x="6556681" y="5322551"/>
-            <a:ext cx="2826157" cy="830997"/>
+            <a:ext cx="3827517" cy="1015663"/>
           </a:xfrm>
           <a:prstGeom prst="rect">
             <a:avLst/>
@@ -5285,11 +6770,19 @@
             </a:pPr>
             <a:r>
               <a:rPr lang="en-US" sz="1200" dirty="0"/>
-              <a:t>Uploads new </a:t>
+              <a:t>Uploads </a:t>
             </a:r>
             <a:r>
               <a:rPr lang="en-US" sz="1200" i="1" dirty="0" err="1"/>
               <a:t>search_index</a:t>
+            </a:r>
+            <a:r>
+              <a:rPr lang="en-US" sz="1200" i="1" dirty="0"/>
+              <a:t> </a:t>
+            </a:r>
+            <a:r>
+              <a:rPr lang="en-US" sz="1200" dirty="0"/>
+              <a:t>as per config, and size of each index as per shard value</a:t>
             </a:r>
             <a:endParaRPr lang="en-US" sz="1200" i="1" dirty="0"/>
           </a:p>
@@ -5418,7 +6911,7 @@
           <p:nvPr/>
         </p:nvPicPr>
         <p:blipFill>
-          <a:blip r:embed="rId8"/>
+          <a:blip r:embed="rId7"/>
           <a:stretch>
             <a:fillRect/>
           </a:stretch>
@@ -5618,10 +7111,1513 @@
           </p:spPr>
         </p:pic>
       </p:grpSp>
+      <p:grpSp>
+        <p:nvGrpSpPr>
+          <p:cNvPr id="65" name="Group 64">
+            <a:extLst>
+              <a:ext uri="{FF2B5EF4-FFF2-40B4-BE49-F238E27FC236}">
+                <a16:creationId xmlns:a16="http://schemas.microsoft.com/office/drawing/2014/main" id="{FBB6BD68-6E11-C148-AA99-1228DC694895}"/>
+              </a:ext>
+            </a:extLst>
+          </p:cNvPr>
+          <p:cNvGrpSpPr/>
+          <p:nvPr/>
+        </p:nvGrpSpPr>
+        <p:grpSpPr>
+          <a:xfrm>
+            <a:off x="3631145" y="3780887"/>
+            <a:ext cx="1174284" cy="564959"/>
+            <a:chOff x="770353" y="863107"/>
+            <a:chExt cx="1174284" cy="564959"/>
+          </a:xfrm>
+        </p:grpSpPr>
+        <p:sp>
+          <p:nvSpPr>
+            <p:cNvPr id="66" name="TextBox 65">
+              <a:extLst>
+                <a:ext uri="{FF2B5EF4-FFF2-40B4-BE49-F238E27FC236}">
+                  <a16:creationId xmlns:a16="http://schemas.microsoft.com/office/drawing/2014/main" id="{F017D2B2-6EC6-A44C-8B4F-48C57CA1B6E3}"/>
+                </a:ext>
+              </a:extLst>
+            </p:cNvPr>
+            <p:cNvSpPr txBox="1"/>
+            <p:nvPr/>
+          </p:nvSpPr>
+          <p:spPr>
+            <a:xfrm>
+              <a:off x="1308090" y="1002908"/>
+              <a:ext cx="636547" cy="274320"/>
+            </a:xfrm>
+            <a:prstGeom prst="rect">
+              <a:avLst/>
+            </a:prstGeom>
+            <a:noFill/>
+          </p:spPr>
+          <p:txBody>
+            <a:bodyPr wrap="square" lIns="0" tIns="0" rIns="0" bIns="0" rtlCol="0" anchor="t">
+              <a:noAutofit/>
+            </a:bodyPr>
+            <a:lstStyle/>
+            <a:p>
+              <a:pPr algn="ctr"/>
+              <a:r>
+                <a:rPr lang="en-US" sz="1000" b="1" dirty="0"/>
+                <a:t>Lambda function</a:t>
+              </a:r>
+              <a:endParaRPr lang="en-US" b="1" dirty="0"/>
+            </a:p>
+          </p:txBody>
+        </p:sp>
+        <p:pic>
+          <p:nvPicPr>
+            <p:cNvPr id="68" name="Picture 67">
+              <a:extLst>
+                <a:ext uri="{FF2B5EF4-FFF2-40B4-BE49-F238E27FC236}">
+                  <a16:creationId xmlns:a16="http://schemas.microsoft.com/office/drawing/2014/main" id="{56F75BC0-870E-7848-8568-5201B6C21752}"/>
+                </a:ext>
+              </a:extLst>
+            </p:cNvPr>
+            <p:cNvPicPr>
+              <a:picLocks noChangeAspect="1"/>
+            </p:cNvPicPr>
+            <p:nvPr/>
+          </p:nvPicPr>
+          <p:blipFill>
+            <a:blip r:embed="rId6">
+              <a:extLst>
+                <a:ext uri="{28A0092B-C50C-407E-A947-70E740481C1C}">
+                  <a14:useLocalDpi xmlns:a14="http://schemas.microsoft.com/office/drawing/2010/main" val="0"/>
+                </a:ext>
+              </a:extLst>
+            </a:blip>
+            <a:stretch>
+              <a:fillRect/>
+            </a:stretch>
+          </p:blipFill>
+          <p:spPr>
+            <a:xfrm>
+              <a:off x="770353" y="863107"/>
+              <a:ext cx="543639" cy="564959"/>
+            </a:xfrm>
+            <a:prstGeom prst="rect">
+              <a:avLst/>
+            </a:prstGeom>
+          </p:spPr>
+        </p:pic>
+      </p:grpSp>
+      <p:sp>
+        <p:nvSpPr>
+          <p:cNvPr id="69" name="Rounded Rectangle 68">
+            <a:extLst>
+              <a:ext uri="{FF2B5EF4-FFF2-40B4-BE49-F238E27FC236}">
+                <a16:creationId xmlns:a16="http://schemas.microsoft.com/office/drawing/2014/main" id="{57B537CA-DC3C-7F46-AA1D-90E7ED7BE6C3}"/>
+              </a:ext>
+            </a:extLst>
+          </p:cNvPr>
+          <p:cNvSpPr/>
+          <p:nvPr/>
+        </p:nvSpPr>
+        <p:spPr>
+          <a:xfrm>
+            <a:off x="3660908" y="4371008"/>
+            <a:ext cx="2684585" cy="851416"/>
+          </a:xfrm>
+          <a:prstGeom prst="roundRect">
+            <a:avLst/>
+          </a:prstGeom>
+          <a:noFill/>
+          <a:ln w="28575"/>
+        </p:spPr>
+        <p:style>
+          <a:lnRef idx="2">
+            <a:schemeClr val="accent1">
+              <a:shade val="50000"/>
+            </a:schemeClr>
+          </a:lnRef>
+          <a:fillRef idx="1">
+            <a:schemeClr val="accent1"/>
+          </a:fillRef>
+          <a:effectRef idx="0">
+            <a:schemeClr val="accent1"/>
+          </a:effectRef>
+          <a:fontRef idx="minor">
+            <a:schemeClr val="lt1"/>
+          </a:fontRef>
+        </p:style>
+        <p:txBody>
+          <a:bodyPr rtlCol="0" anchor="ctr"/>
+          <a:lstStyle/>
+          <a:p>
+            <a:pPr algn="ctr"/>
+            <a:endParaRPr lang="en-US"/>
+          </a:p>
+        </p:txBody>
+      </p:sp>
+      <p:sp>
+        <p:nvSpPr>
+          <p:cNvPr id="2" name="Rectangle 1">
+            <a:extLst>
+              <a:ext uri="{FF2B5EF4-FFF2-40B4-BE49-F238E27FC236}">
+                <a16:creationId xmlns:a16="http://schemas.microsoft.com/office/drawing/2014/main" id="{3ED3DA70-C2A5-DF43-8E3A-5DD65C89601B}"/>
+              </a:ext>
+            </a:extLst>
+          </p:cNvPr>
+          <p:cNvSpPr/>
+          <p:nvPr/>
+        </p:nvSpPr>
+        <p:spPr>
+          <a:xfrm>
+            <a:off x="4007724" y="4625987"/>
+            <a:ext cx="2003434" cy="369332"/>
+          </a:xfrm>
+          <a:prstGeom prst="rect">
+            <a:avLst/>
+          </a:prstGeom>
+        </p:spPr>
+        <p:txBody>
+          <a:bodyPr wrap="none">
+            <a:spAutoFit/>
+          </a:bodyPr>
+          <a:lstStyle/>
+          <a:p>
+            <a:pPr algn="ctr"/>
+            <a:r>
+              <a:rPr lang="en-US" dirty="0" err="1"/>
+              <a:t>Document_Batcher</a:t>
+            </a:r>
+            <a:endParaRPr lang="en-US" dirty="0"/>
+          </a:p>
+        </p:txBody>
+      </p:sp>
+      <p:grpSp>
+        <p:nvGrpSpPr>
+          <p:cNvPr id="3" name="Group 2">
+            <a:extLst>
+              <a:ext uri="{FF2B5EF4-FFF2-40B4-BE49-F238E27FC236}">
+                <a16:creationId xmlns:a16="http://schemas.microsoft.com/office/drawing/2014/main" id="{52E6BE80-61B4-D449-BD7F-A8C576503D8A}"/>
+              </a:ext>
+            </a:extLst>
+          </p:cNvPr>
+          <p:cNvGrpSpPr/>
+          <p:nvPr/>
+        </p:nvGrpSpPr>
+        <p:grpSpPr>
+          <a:xfrm>
+            <a:off x="2809162" y="5349095"/>
+            <a:ext cx="883095" cy="678652"/>
+            <a:chOff x="2868454" y="5299309"/>
+            <a:chExt cx="883095" cy="678652"/>
+          </a:xfrm>
+        </p:grpSpPr>
+        <p:pic>
+          <p:nvPicPr>
+            <p:cNvPr id="70" name="Picture 69">
+              <a:extLst>
+                <a:ext uri="{FF2B5EF4-FFF2-40B4-BE49-F238E27FC236}">
+                  <a16:creationId xmlns:a16="http://schemas.microsoft.com/office/drawing/2014/main" id="{591B8183-E055-5849-B463-46A4A1990B6F}"/>
+                </a:ext>
+              </a:extLst>
+            </p:cNvPr>
+            <p:cNvPicPr>
+              <a:picLocks noChangeAspect="1"/>
+            </p:cNvPicPr>
+            <p:nvPr/>
+          </p:nvPicPr>
+          <p:blipFill>
+            <a:blip r:embed="rId8">
+              <a:extLst>
+                <a:ext uri="{28A0092B-C50C-407E-A947-70E740481C1C}">
+                  <a14:useLocalDpi xmlns:a14="http://schemas.microsoft.com/office/drawing/2010/main" val="0"/>
+                </a:ext>
+              </a:extLst>
+            </a:blip>
+            <a:stretch>
+              <a:fillRect/>
+            </a:stretch>
+          </p:blipFill>
+          <p:spPr>
+            <a:xfrm>
+              <a:off x="3143022" y="5299309"/>
+              <a:ext cx="394437" cy="514606"/>
+            </a:xfrm>
+            <a:prstGeom prst="rect">
+              <a:avLst/>
+            </a:prstGeom>
+          </p:spPr>
+        </p:pic>
+        <p:sp>
+          <p:nvSpPr>
+            <p:cNvPr id="71" name="TextBox 70">
+              <a:extLst>
+                <a:ext uri="{FF2B5EF4-FFF2-40B4-BE49-F238E27FC236}">
+                  <a16:creationId xmlns:a16="http://schemas.microsoft.com/office/drawing/2014/main" id="{3FC440BE-434F-7049-9968-DD6768C74C54}"/>
+                </a:ext>
+              </a:extLst>
+            </p:cNvPr>
+            <p:cNvSpPr txBox="1"/>
+            <p:nvPr/>
+          </p:nvSpPr>
+          <p:spPr>
+            <a:xfrm>
+              <a:off x="2868454" y="5833061"/>
+              <a:ext cx="883095" cy="144900"/>
+            </a:xfrm>
+            <a:prstGeom prst="rect">
+              <a:avLst/>
+            </a:prstGeom>
+            <a:noFill/>
+          </p:spPr>
+          <p:txBody>
+            <a:bodyPr wrap="square" lIns="0" tIns="0" rIns="0" bIns="0" rtlCol="0" anchor="t">
+              <a:noAutofit/>
+            </a:bodyPr>
+            <a:lstStyle/>
+            <a:p>
+              <a:pPr algn="ctr"/>
+              <a:r>
+                <a:rPr lang="en-US" sz="1000" b="1" dirty="0" err="1"/>
+                <a:t>Cloudwatch</a:t>
+              </a:r>
+              <a:r>
+                <a:rPr lang="en-US" sz="1000" b="1" dirty="0"/>
+                <a:t> Event</a:t>
+              </a:r>
+              <a:endParaRPr lang="en-US" b="1" dirty="0"/>
+            </a:p>
+          </p:txBody>
+        </p:sp>
+      </p:grpSp>
+      <p:cxnSp>
+        <p:nvCxnSpPr>
+          <p:cNvPr id="76" name="Straight Arrow Connector 75">
+            <a:extLst>
+              <a:ext uri="{FF2B5EF4-FFF2-40B4-BE49-F238E27FC236}">
+                <a16:creationId xmlns:a16="http://schemas.microsoft.com/office/drawing/2014/main" id="{BF727C85-8B76-764F-A85E-B89C0F19F3A6}"/>
+              </a:ext>
+            </a:extLst>
+          </p:cNvPr>
+          <p:cNvCxnSpPr>
+            <a:cxnSpLocks/>
+          </p:cNvCxnSpPr>
+          <p:nvPr/>
+        </p:nvCxnSpPr>
+        <p:spPr>
+          <a:xfrm flipV="1">
+            <a:off x="3522393" y="5273010"/>
+            <a:ext cx="339727" cy="552479"/>
+          </a:xfrm>
+          <a:prstGeom prst="straightConnector1">
+            <a:avLst/>
+          </a:prstGeom>
+          <a:ln w="57150">
+            <a:prstDash val="lgDash"/>
+            <a:tailEnd type="triangle"/>
+          </a:ln>
+        </p:spPr>
+        <p:style>
+          <a:lnRef idx="1">
+            <a:schemeClr val="accent3"/>
+          </a:lnRef>
+          <a:fillRef idx="0">
+            <a:schemeClr val="accent3"/>
+          </a:fillRef>
+          <a:effectRef idx="0">
+            <a:schemeClr val="accent3"/>
+          </a:effectRef>
+          <a:fontRef idx="minor">
+            <a:schemeClr val="tx1"/>
+          </a:fontRef>
+        </p:style>
+      </p:cxnSp>
+      <p:sp>
+        <p:nvSpPr>
+          <p:cNvPr id="10" name="Rectangle 9">
+            <a:extLst>
+              <a:ext uri="{FF2B5EF4-FFF2-40B4-BE49-F238E27FC236}">
+                <a16:creationId xmlns:a16="http://schemas.microsoft.com/office/drawing/2014/main" id="{B097B446-3AAA-9243-8699-7E5C05618807}"/>
+              </a:ext>
+            </a:extLst>
+          </p:cNvPr>
+          <p:cNvSpPr/>
+          <p:nvPr/>
+        </p:nvSpPr>
+        <p:spPr>
+          <a:xfrm>
+            <a:off x="3788598" y="5320795"/>
+            <a:ext cx="2684585" cy="830997"/>
+          </a:xfrm>
+          <a:prstGeom prst="rect">
+            <a:avLst/>
+          </a:prstGeom>
+        </p:spPr>
+        <p:txBody>
+          <a:bodyPr wrap="square">
+            <a:spAutoFit/>
+          </a:bodyPr>
+          <a:lstStyle/>
+          <a:p>
+            <a:pPr marL="285750" indent="-285750">
+              <a:buFont typeface="Arial" panose="020B0604020202020204" pitchFamily="34" charset="0"/>
+              <a:buChar char="•"/>
+            </a:pPr>
+            <a:r>
+              <a:rPr lang="en-US" sz="1200" dirty="0"/>
+              <a:t>Runs every 5 minutes</a:t>
+            </a:r>
+          </a:p>
+          <a:p>
+            <a:pPr marL="285750" indent="-285750">
+              <a:buFont typeface="Arial" panose="020B0604020202020204" pitchFamily="34" charset="0"/>
+              <a:buChar char="•"/>
+            </a:pPr>
+            <a:r>
+              <a:rPr lang="en-US" sz="1200" dirty="0"/>
+              <a:t>Cleans up the articles folder to compact individual documents into one larger ”batched” document</a:t>
+            </a:r>
+          </a:p>
+        </p:txBody>
+      </p:sp>
+      <p:sp>
+        <p:nvSpPr>
+          <p:cNvPr id="77" name="Rectangle 76">
+            <a:extLst>
+              <a:ext uri="{FF2B5EF4-FFF2-40B4-BE49-F238E27FC236}">
+                <a16:creationId xmlns:a16="http://schemas.microsoft.com/office/drawing/2014/main" id="{6C808678-ECEA-A644-A61B-F1CA7A847797}"/>
+              </a:ext>
+            </a:extLst>
+          </p:cNvPr>
+          <p:cNvSpPr/>
+          <p:nvPr/>
+        </p:nvSpPr>
+        <p:spPr>
+          <a:xfrm>
+            <a:off x="4519352" y="3231969"/>
+            <a:ext cx="2235129" cy="461665"/>
+          </a:xfrm>
+          <a:prstGeom prst="rect">
+            <a:avLst/>
+          </a:prstGeom>
+        </p:spPr>
+        <p:txBody>
+          <a:bodyPr wrap="square">
+            <a:spAutoFit/>
+          </a:bodyPr>
+          <a:lstStyle/>
+          <a:p>
+            <a:pPr marL="285750" indent="-285750">
+              <a:buFont typeface="Arial" panose="020B0604020202020204" pitchFamily="34" charset="0"/>
+              <a:buChar char="•"/>
+            </a:pPr>
+            <a:r>
+              <a:rPr lang="en-US" sz="800" dirty="0"/>
+              <a:t>Fetch the relevant indexes from S3</a:t>
+            </a:r>
+          </a:p>
+          <a:p>
+            <a:pPr marL="285750" indent="-285750">
+              <a:buFont typeface="Arial" panose="020B0604020202020204" pitchFamily="34" charset="0"/>
+              <a:buChar char="•"/>
+            </a:pPr>
+            <a:r>
+              <a:rPr lang="en-US" sz="800" dirty="0"/>
+              <a:t>Load them in-memory and perform search</a:t>
+            </a:r>
+          </a:p>
+          <a:p>
+            <a:pPr marL="285750" indent="-285750">
+              <a:buFont typeface="Arial" panose="020B0604020202020204" pitchFamily="34" charset="0"/>
+              <a:buChar char="•"/>
+            </a:pPr>
+            <a:r>
+              <a:rPr lang="en-US" sz="800" dirty="0"/>
+              <a:t>Return the query results</a:t>
+            </a:r>
+          </a:p>
+        </p:txBody>
+      </p:sp>
+      <p:pic>
+        <p:nvPicPr>
+          <p:cNvPr id="13" name="Picture 12">
+            <a:extLst>
+              <a:ext uri="{FF2B5EF4-FFF2-40B4-BE49-F238E27FC236}">
+                <a16:creationId xmlns:a16="http://schemas.microsoft.com/office/drawing/2014/main" id="{CD5A6375-75AE-794D-8095-DF6E83553DDC}"/>
+              </a:ext>
+            </a:extLst>
+          </p:cNvPr>
+          <p:cNvPicPr>
+            <a:picLocks noChangeAspect="1"/>
+          </p:cNvPicPr>
+          <p:nvPr/>
+        </p:nvPicPr>
+        <p:blipFill rotWithShape="1">
+          <a:blip r:embed="rId9"/>
+          <a:srcRect t="4560" r="33140"/>
+          <a:stretch/>
+        </p:blipFill>
+        <p:spPr>
+          <a:xfrm>
+            <a:off x="8668116" y="1754224"/>
+            <a:ext cx="2102169" cy="1181070"/>
+          </a:xfrm>
+          <a:prstGeom prst="rect">
+            <a:avLst/>
+          </a:prstGeom>
+          <a:ln>
+            <a:solidFill>
+              <a:schemeClr val="tx2"/>
+            </a:solidFill>
+          </a:ln>
+        </p:spPr>
+      </p:pic>
     </p:spTree>
     <p:extLst>
       <p:ext uri="{BB962C8B-B14F-4D97-AF65-F5344CB8AC3E}">
         <p14:creationId xmlns:p14="http://schemas.microsoft.com/office/powerpoint/2010/main" val="192133895"/>
+      </p:ext>
+    </p:extLst>
+  </p:cSld>
+  <p:clrMapOvr>
+    <a:masterClrMapping/>
+  </p:clrMapOvr>
+</p:sld>
+</file>
+
+<file path=ppt/slides/slide3.xml><?xml version="1.0" encoding="utf-8"?>
+<p:sld xmlns:a="http://schemas.openxmlformats.org/drawingml/2006/main" xmlns:r="http://schemas.openxmlformats.org/officeDocument/2006/relationships" xmlns:p="http://schemas.openxmlformats.org/presentationml/2006/main">
+  <p:cSld>
+    <p:spTree>
+      <p:nvGrpSpPr>
+        <p:cNvPr id="1" name=""/>
+        <p:cNvGrpSpPr/>
+        <p:nvPr/>
+      </p:nvGrpSpPr>
+      <p:grpSpPr>
+        <a:xfrm>
+          <a:off x="0" y="0"/>
+          <a:ext cx="0" cy="0"/>
+          <a:chOff x="0" y="0"/>
+          <a:chExt cx="0" cy="0"/>
+        </a:xfrm>
+      </p:grpSpPr>
+      <p:sp>
+        <p:nvSpPr>
+          <p:cNvPr id="2" name="Title 1">
+            <a:extLst>
+              <a:ext uri="{FF2B5EF4-FFF2-40B4-BE49-F238E27FC236}">
+                <a16:creationId xmlns:a16="http://schemas.microsoft.com/office/drawing/2014/main" id="{704E93F1-4C65-6844-957A-8038E0504F65}"/>
+              </a:ext>
+            </a:extLst>
+          </p:cNvPr>
+          <p:cNvSpPr>
+            <a:spLocks noGrp="1"/>
+          </p:cNvSpPr>
+          <p:nvPr>
+            <p:ph type="title"/>
+          </p:nvPr>
+        </p:nvSpPr>
+        <p:spPr>
+          <a:xfrm>
+            <a:off x="185057" y="94539"/>
+            <a:ext cx="10515600" cy="720772"/>
+          </a:xfrm>
+        </p:spPr>
+        <p:txBody>
+          <a:bodyPr>
+            <a:normAutofit/>
+          </a:bodyPr>
+          <a:lstStyle/>
+          <a:p>
+            <a:r>
+              <a:rPr lang="en-US" sz="3200" dirty="0"/>
+              <a:t>Document Indexing Latency</a:t>
+            </a:r>
+          </a:p>
+        </p:txBody>
+      </p:sp>
+      <p:graphicFrame>
+        <p:nvGraphicFramePr>
+          <p:cNvPr id="8" name="Chart 7">
+            <a:extLst>
+              <a:ext uri="{FF2B5EF4-FFF2-40B4-BE49-F238E27FC236}">
+                <a16:creationId xmlns:a16="http://schemas.microsoft.com/office/drawing/2014/main" id="{277AC7AC-3C5A-B641-83D6-E86DD5FCE185}"/>
+              </a:ext>
+            </a:extLst>
+          </p:cNvPr>
+          <p:cNvGraphicFramePr>
+            <a:graphicFrameLocks/>
+          </p:cNvGraphicFramePr>
+          <p:nvPr>
+            <p:extLst>
+              <p:ext uri="{D42A27DB-BD31-4B8C-83A1-F6EECF244321}">
+                <p14:modId xmlns:p14="http://schemas.microsoft.com/office/powerpoint/2010/main" val="1926219595"/>
+              </p:ext>
+            </p:extLst>
+          </p:nvPr>
+        </p:nvGraphicFramePr>
+        <p:xfrm>
+          <a:off x="392081" y="1318751"/>
+          <a:ext cx="10308575" cy="4073863"/>
+        </p:xfrm>
+        <a:graphic>
+          <a:graphicData uri="http://schemas.openxmlformats.org/drawingml/2006/chart">
+            <c:chart xmlns:c="http://schemas.openxmlformats.org/drawingml/2006/chart" xmlns:r="http://schemas.openxmlformats.org/officeDocument/2006/relationships" r:id="rId2"/>
+          </a:graphicData>
+        </a:graphic>
+      </p:graphicFrame>
+      <p:sp>
+        <p:nvSpPr>
+          <p:cNvPr id="9" name="Oval 8">
+            <a:extLst>
+              <a:ext uri="{FF2B5EF4-FFF2-40B4-BE49-F238E27FC236}">
+                <a16:creationId xmlns:a16="http://schemas.microsoft.com/office/drawing/2014/main" id="{DE617BC8-021D-6849-9561-6F91DCCEB94C}"/>
+              </a:ext>
+            </a:extLst>
+          </p:cNvPr>
+          <p:cNvSpPr/>
+          <p:nvPr/>
+        </p:nvSpPr>
+        <p:spPr>
+          <a:xfrm>
+            <a:off x="5596812" y="2677886"/>
+            <a:ext cx="699796" cy="1129004"/>
+          </a:xfrm>
+          <a:prstGeom prst="ellipse">
+            <a:avLst/>
+          </a:prstGeom>
+          <a:noFill/>
+          <a:ln w="38100">
+            <a:solidFill>
+              <a:srgbClr val="FF0000"/>
+            </a:solidFill>
+          </a:ln>
+        </p:spPr>
+        <p:style>
+          <a:lnRef idx="2">
+            <a:schemeClr val="accent1">
+              <a:shade val="50000"/>
+            </a:schemeClr>
+          </a:lnRef>
+          <a:fillRef idx="1">
+            <a:schemeClr val="accent1"/>
+          </a:fillRef>
+          <a:effectRef idx="0">
+            <a:schemeClr val="accent1"/>
+          </a:effectRef>
+          <a:fontRef idx="minor">
+            <a:schemeClr val="lt1"/>
+          </a:fontRef>
+        </p:style>
+        <p:txBody>
+          <a:bodyPr rtlCol="0" anchor="ctr"/>
+          <a:lstStyle/>
+          <a:p>
+            <a:pPr algn="ctr"/>
+            <a:endParaRPr lang="en-US"/>
+          </a:p>
+        </p:txBody>
+      </p:sp>
+      <p:sp>
+        <p:nvSpPr>
+          <p:cNvPr id="10" name="Rectangle 9">
+            <a:extLst>
+              <a:ext uri="{FF2B5EF4-FFF2-40B4-BE49-F238E27FC236}">
+                <a16:creationId xmlns:a16="http://schemas.microsoft.com/office/drawing/2014/main" id="{40654905-6E91-584B-8F0E-EAFE82326F64}"/>
+              </a:ext>
+            </a:extLst>
+          </p:cNvPr>
+          <p:cNvSpPr/>
+          <p:nvPr/>
+        </p:nvSpPr>
+        <p:spPr>
+          <a:xfrm>
+            <a:off x="5786533" y="2069202"/>
+            <a:ext cx="2519266" cy="373225"/>
+          </a:xfrm>
+          <a:prstGeom prst="rect">
+            <a:avLst/>
+          </a:prstGeom>
+        </p:spPr>
+        <p:style>
+          <a:lnRef idx="2">
+            <a:schemeClr val="accent6"/>
+          </a:lnRef>
+          <a:fillRef idx="1">
+            <a:schemeClr val="lt1"/>
+          </a:fillRef>
+          <a:effectRef idx="0">
+            <a:schemeClr val="accent6"/>
+          </a:effectRef>
+          <a:fontRef idx="minor">
+            <a:schemeClr val="dk1"/>
+          </a:fontRef>
+        </p:style>
+        <p:txBody>
+          <a:bodyPr rtlCol="0" anchor="ctr"/>
+          <a:lstStyle/>
+          <a:p>
+            <a:pPr algn="ctr"/>
+            <a:r>
+              <a:rPr lang="en-US" sz="1400" dirty="0"/>
+              <a:t>Upgrading from 320 to 512 </a:t>
+            </a:r>
+            <a:r>
+              <a:rPr lang="en-US" sz="1400" dirty="0" err="1"/>
+              <a:t>mb</a:t>
+            </a:r>
+            <a:endParaRPr lang="en-US" sz="1400" dirty="0"/>
+          </a:p>
+        </p:txBody>
+      </p:sp>
+      <p:sp>
+        <p:nvSpPr>
+          <p:cNvPr id="11" name="Rectangle 10">
+            <a:extLst>
+              <a:ext uri="{FF2B5EF4-FFF2-40B4-BE49-F238E27FC236}">
+                <a16:creationId xmlns:a16="http://schemas.microsoft.com/office/drawing/2014/main" id="{C95CD216-F21E-4542-8445-53E418D128F4}"/>
+              </a:ext>
+            </a:extLst>
+          </p:cNvPr>
+          <p:cNvSpPr/>
+          <p:nvPr/>
+        </p:nvSpPr>
+        <p:spPr>
+          <a:xfrm>
+            <a:off x="6096000" y="3055775"/>
+            <a:ext cx="2519266" cy="373225"/>
+          </a:xfrm>
+          <a:prstGeom prst="rect">
+            <a:avLst/>
+          </a:prstGeom>
+        </p:spPr>
+        <p:style>
+          <a:lnRef idx="2">
+            <a:schemeClr val="accent6"/>
+          </a:lnRef>
+          <a:fillRef idx="1">
+            <a:schemeClr val="lt1"/>
+          </a:fillRef>
+          <a:effectRef idx="0">
+            <a:schemeClr val="accent6"/>
+          </a:effectRef>
+          <a:fontRef idx="minor">
+            <a:schemeClr val="dk1"/>
+          </a:fontRef>
+        </p:style>
+        <p:txBody>
+          <a:bodyPr rtlCol="0" anchor="ctr"/>
+          <a:lstStyle/>
+          <a:p>
+            <a:pPr algn="ctr"/>
+            <a:r>
+              <a:rPr lang="en-US" sz="1400" dirty="0"/>
+              <a:t>Upgrading from 512 to 1024 </a:t>
+            </a:r>
+            <a:r>
+              <a:rPr lang="en-US" sz="1400" dirty="0" err="1"/>
+              <a:t>mb</a:t>
+            </a:r>
+            <a:endParaRPr lang="en-US" sz="1400" dirty="0"/>
+          </a:p>
+        </p:txBody>
+      </p:sp>
+      <p:sp>
+        <p:nvSpPr>
+          <p:cNvPr id="12" name="Oval 11">
+            <a:extLst>
+              <a:ext uri="{FF2B5EF4-FFF2-40B4-BE49-F238E27FC236}">
+                <a16:creationId xmlns:a16="http://schemas.microsoft.com/office/drawing/2014/main" id="{804D0ABB-E3FF-1F4F-9034-416A0EE9D1D8}"/>
+              </a:ext>
+            </a:extLst>
+          </p:cNvPr>
+          <p:cNvSpPr/>
+          <p:nvPr/>
+        </p:nvSpPr>
+        <p:spPr>
+          <a:xfrm>
+            <a:off x="5236012" y="1922104"/>
+            <a:ext cx="413690" cy="667420"/>
+          </a:xfrm>
+          <a:prstGeom prst="ellipse">
+            <a:avLst/>
+          </a:prstGeom>
+          <a:noFill/>
+          <a:ln w="38100">
+            <a:solidFill>
+              <a:srgbClr val="FF0000"/>
+            </a:solidFill>
+          </a:ln>
+        </p:spPr>
+        <p:style>
+          <a:lnRef idx="2">
+            <a:schemeClr val="accent1">
+              <a:shade val="50000"/>
+            </a:schemeClr>
+          </a:lnRef>
+          <a:fillRef idx="1">
+            <a:schemeClr val="accent1"/>
+          </a:fillRef>
+          <a:effectRef idx="0">
+            <a:schemeClr val="accent1"/>
+          </a:effectRef>
+          <a:fontRef idx="minor">
+            <a:schemeClr val="lt1"/>
+          </a:fontRef>
+        </p:style>
+        <p:txBody>
+          <a:bodyPr rtlCol="0" anchor="ctr"/>
+          <a:lstStyle/>
+          <a:p>
+            <a:pPr algn="ctr"/>
+            <a:endParaRPr lang="en-US"/>
+          </a:p>
+        </p:txBody>
+      </p:sp>
+      <p:sp>
+        <p:nvSpPr>
+          <p:cNvPr id="14" name="Rectangle 13">
+            <a:extLst>
+              <a:ext uri="{FF2B5EF4-FFF2-40B4-BE49-F238E27FC236}">
+                <a16:creationId xmlns:a16="http://schemas.microsoft.com/office/drawing/2014/main" id="{E1D4C185-724E-794D-AD80-EE70E466CE9A}"/>
+              </a:ext>
+            </a:extLst>
+          </p:cNvPr>
+          <p:cNvSpPr/>
+          <p:nvPr/>
+        </p:nvSpPr>
+        <p:spPr>
+          <a:xfrm>
+            <a:off x="293915" y="1330353"/>
+            <a:ext cx="9963777" cy="4208896"/>
+          </a:xfrm>
+          <a:prstGeom prst="rect">
+            <a:avLst/>
+          </a:prstGeom>
+          <a:noFill/>
+        </p:spPr>
+        <p:style>
+          <a:lnRef idx="2">
+            <a:schemeClr val="accent1">
+              <a:shade val="50000"/>
+            </a:schemeClr>
+          </a:lnRef>
+          <a:fillRef idx="1">
+            <a:schemeClr val="accent1"/>
+          </a:fillRef>
+          <a:effectRef idx="0">
+            <a:schemeClr val="accent1"/>
+          </a:effectRef>
+          <a:fontRef idx="minor">
+            <a:schemeClr val="lt1"/>
+          </a:fontRef>
+        </p:style>
+        <p:txBody>
+          <a:bodyPr rtlCol="0" anchor="ctr"/>
+          <a:lstStyle/>
+          <a:p>
+            <a:pPr algn="ctr"/>
+            <a:endParaRPr lang="en-US"/>
+          </a:p>
+        </p:txBody>
+      </p:sp>
+      <p:sp>
+        <p:nvSpPr>
+          <p:cNvPr id="13" name="Rectangle 12">
+            <a:extLst>
+              <a:ext uri="{FF2B5EF4-FFF2-40B4-BE49-F238E27FC236}">
+                <a16:creationId xmlns:a16="http://schemas.microsoft.com/office/drawing/2014/main" id="{A430F925-0D10-654D-9F53-2D9067D9F130}"/>
+              </a:ext>
+            </a:extLst>
+          </p:cNvPr>
+          <p:cNvSpPr/>
+          <p:nvPr/>
+        </p:nvSpPr>
+        <p:spPr>
+          <a:xfrm>
+            <a:off x="9663597" y="3160925"/>
+            <a:ext cx="2270449" cy="782095"/>
+          </a:xfrm>
+          <a:prstGeom prst="rect">
+            <a:avLst/>
+          </a:prstGeom>
+          <a:ln>
+            <a:solidFill>
+              <a:schemeClr val="tx2">
+                <a:lumMod val="40000"/>
+                <a:lumOff val="60000"/>
+              </a:schemeClr>
+            </a:solidFill>
+          </a:ln>
+        </p:spPr>
+        <p:style>
+          <a:lnRef idx="2">
+            <a:schemeClr val="accent6"/>
+          </a:lnRef>
+          <a:fillRef idx="1">
+            <a:schemeClr val="lt1"/>
+          </a:fillRef>
+          <a:effectRef idx="0">
+            <a:schemeClr val="accent6"/>
+          </a:effectRef>
+          <a:fontRef idx="minor">
+            <a:schemeClr val="dk1"/>
+          </a:fontRef>
+        </p:style>
+        <p:txBody>
+          <a:bodyPr rtlCol="0" anchor="ctr"/>
+          <a:lstStyle/>
+          <a:p>
+            <a:pPr algn="ctr"/>
+            <a:r>
+              <a:rPr lang="en-US" sz="1600" dirty="0"/>
+              <a:t>1024 MB is ideal. Higher can be even better</a:t>
+            </a:r>
+          </a:p>
+        </p:txBody>
+      </p:sp>
+      <p:pic>
+        <p:nvPicPr>
+          <p:cNvPr id="17" name="Picture 16">
+            <a:extLst>
+              <a:ext uri="{FF2B5EF4-FFF2-40B4-BE49-F238E27FC236}">
+                <a16:creationId xmlns:a16="http://schemas.microsoft.com/office/drawing/2014/main" id="{A16CDFB7-2F9D-DD44-B002-84DCB6AA1819}"/>
+              </a:ext>
+            </a:extLst>
+          </p:cNvPr>
+          <p:cNvPicPr>
+            <a:picLocks noChangeAspect="1"/>
+          </p:cNvPicPr>
+          <p:nvPr/>
+        </p:nvPicPr>
+        <p:blipFill>
+          <a:blip r:embed="rId3"/>
+          <a:stretch>
+            <a:fillRect/>
+          </a:stretch>
+        </p:blipFill>
+        <p:spPr>
+          <a:xfrm flipH="1">
+            <a:off x="9899475" y="6554557"/>
+            <a:ext cx="254020" cy="246221"/>
+          </a:xfrm>
+          <a:prstGeom prst="rect">
+            <a:avLst/>
+          </a:prstGeom>
+        </p:spPr>
+      </p:pic>
+      <p:sp>
+        <p:nvSpPr>
+          <p:cNvPr id="18" name="TextBox 17">
+            <a:extLst>
+              <a:ext uri="{FF2B5EF4-FFF2-40B4-BE49-F238E27FC236}">
+                <a16:creationId xmlns:a16="http://schemas.microsoft.com/office/drawing/2014/main" id="{C7595E64-B8D4-D044-A987-9F2ADD611402}"/>
+              </a:ext>
+            </a:extLst>
+          </p:cNvPr>
+          <p:cNvSpPr txBox="1"/>
+          <p:nvPr/>
+        </p:nvSpPr>
+        <p:spPr>
+          <a:xfrm>
+            <a:off x="10130565" y="6554558"/>
+            <a:ext cx="2125394" cy="246221"/>
+          </a:xfrm>
+          <a:prstGeom prst="rect">
+            <a:avLst/>
+          </a:prstGeom>
+          <a:noFill/>
+        </p:spPr>
+        <p:txBody>
+          <a:bodyPr wrap="square" rtlCol="0">
+            <a:spAutoFit/>
+          </a:bodyPr>
+          <a:lstStyle/>
+          <a:p>
+            <a:r>
+              <a:rPr lang="en-US" sz="1000" b="1" dirty="0" err="1"/>
+              <a:t>rlingineni</a:t>
+            </a:r>
+            <a:r>
+              <a:rPr lang="en-US" sz="1000" b="1" dirty="0"/>
+              <a:t>/lambda-serverless-search</a:t>
+            </a:r>
+          </a:p>
+        </p:txBody>
+      </p:sp>
+      <p:sp>
+        <p:nvSpPr>
+          <p:cNvPr id="19" name="Rectangle 18">
+            <a:extLst>
+              <a:ext uri="{FF2B5EF4-FFF2-40B4-BE49-F238E27FC236}">
+                <a16:creationId xmlns:a16="http://schemas.microsoft.com/office/drawing/2014/main" id="{0C47E0B6-B7DB-C446-87C0-07C3DD8274C7}"/>
+              </a:ext>
+            </a:extLst>
+          </p:cNvPr>
+          <p:cNvSpPr/>
+          <p:nvPr/>
+        </p:nvSpPr>
+        <p:spPr>
+          <a:xfrm>
+            <a:off x="185057" y="5895572"/>
+            <a:ext cx="2707433" cy="782095"/>
+          </a:xfrm>
+          <a:prstGeom prst="rect">
+            <a:avLst/>
+          </a:prstGeom>
+          <a:ln>
+            <a:solidFill>
+              <a:schemeClr val="tx2">
+                <a:lumMod val="40000"/>
+                <a:lumOff val="60000"/>
+              </a:schemeClr>
+            </a:solidFill>
+          </a:ln>
+        </p:spPr>
+        <p:style>
+          <a:lnRef idx="2">
+            <a:schemeClr val="accent6"/>
+          </a:lnRef>
+          <a:fillRef idx="1">
+            <a:schemeClr val="lt1"/>
+          </a:fillRef>
+          <a:effectRef idx="0">
+            <a:schemeClr val="accent6"/>
+          </a:effectRef>
+          <a:fontRef idx="minor">
+            <a:schemeClr val="dk1"/>
+          </a:fontRef>
+        </p:style>
+        <p:txBody>
+          <a:bodyPr rtlCol="0" anchor="ctr"/>
+          <a:lstStyle/>
+          <a:p>
+            <a:r>
+              <a:rPr lang="en-US" sz="1600" dirty="0"/>
+              <a:t>There are 1000ms in a second</a:t>
+            </a:r>
+          </a:p>
+        </p:txBody>
+      </p:sp>
+    </p:spTree>
+    <p:extLst>
+      <p:ext uri="{BB962C8B-B14F-4D97-AF65-F5344CB8AC3E}">
+        <p14:creationId xmlns:p14="http://schemas.microsoft.com/office/powerpoint/2010/main" val="3657997394"/>
+      </p:ext>
+    </p:extLst>
+  </p:cSld>
+  <p:clrMapOvr>
+    <a:masterClrMapping/>
+  </p:clrMapOvr>
+</p:sld>
+</file>
+
+<file path=ppt/slides/slide4.xml><?xml version="1.0" encoding="utf-8"?>
+<p:sld xmlns:a="http://schemas.openxmlformats.org/drawingml/2006/main" xmlns:r="http://schemas.openxmlformats.org/officeDocument/2006/relationships" xmlns:p="http://schemas.openxmlformats.org/presentationml/2006/main">
+  <p:cSld>
+    <p:spTree>
+      <p:nvGrpSpPr>
+        <p:cNvPr id="1" name=""/>
+        <p:cNvGrpSpPr/>
+        <p:nvPr/>
+      </p:nvGrpSpPr>
+      <p:grpSpPr>
+        <a:xfrm>
+          <a:off x="0" y="0"/>
+          <a:ext cx="0" cy="0"/>
+          <a:chOff x="0" y="0"/>
+          <a:chExt cx="0" cy="0"/>
+        </a:xfrm>
+      </p:grpSpPr>
+      <p:sp>
+        <p:nvSpPr>
+          <p:cNvPr id="2" name="Title 1">
+            <a:extLst>
+              <a:ext uri="{FF2B5EF4-FFF2-40B4-BE49-F238E27FC236}">
+                <a16:creationId xmlns:a16="http://schemas.microsoft.com/office/drawing/2014/main" id="{485D8A2C-74B4-A74D-BEF7-ECF6AD37B008}"/>
+              </a:ext>
+            </a:extLst>
+          </p:cNvPr>
+          <p:cNvSpPr>
+            <a:spLocks noGrp="1"/>
+          </p:cNvSpPr>
+          <p:nvPr>
+            <p:ph type="title"/>
+          </p:nvPr>
+        </p:nvSpPr>
+        <p:spPr>
+          <a:xfrm>
+            <a:off x="175727" y="337133"/>
+            <a:ext cx="10515600" cy="399985"/>
+          </a:xfrm>
+        </p:spPr>
+        <p:txBody>
+          <a:bodyPr>
+            <a:normAutofit fontScale="90000"/>
+          </a:bodyPr>
+          <a:lstStyle/>
+          <a:p>
+            <a:r>
+              <a:rPr lang="en-US" dirty="0"/>
+              <a:t>Search Query Latency on 18,000 records</a:t>
+            </a:r>
+          </a:p>
+        </p:txBody>
+      </p:sp>
+      <p:pic>
+        <p:nvPicPr>
+          <p:cNvPr id="7" name="Picture 6">
+            <a:extLst>
+              <a:ext uri="{FF2B5EF4-FFF2-40B4-BE49-F238E27FC236}">
+                <a16:creationId xmlns:a16="http://schemas.microsoft.com/office/drawing/2014/main" id="{A6B8AFBB-E47D-B64A-B7BE-450BB2FC1927}"/>
+              </a:ext>
+            </a:extLst>
+          </p:cNvPr>
+          <p:cNvPicPr>
+            <a:picLocks noChangeAspect="1"/>
+          </p:cNvPicPr>
+          <p:nvPr/>
+        </p:nvPicPr>
+        <p:blipFill>
+          <a:blip r:embed="rId2"/>
+          <a:stretch>
+            <a:fillRect/>
+          </a:stretch>
+        </p:blipFill>
+        <p:spPr>
+          <a:xfrm>
+            <a:off x="265692" y="1137185"/>
+            <a:ext cx="12192000" cy="1758368"/>
+          </a:xfrm>
+          <a:prstGeom prst="rect">
+            <a:avLst/>
+          </a:prstGeom>
+        </p:spPr>
+      </p:pic>
+      <p:sp>
+        <p:nvSpPr>
+          <p:cNvPr id="6" name="Oval 5">
+            <a:extLst>
+              <a:ext uri="{FF2B5EF4-FFF2-40B4-BE49-F238E27FC236}">
+                <a16:creationId xmlns:a16="http://schemas.microsoft.com/office/drawing/2014/main" id="{147741B7-E82A-EF4B-9995-EEEE058EFECA}"/>
+              </a:ext>
+            </a:extLst>
+          </p:cNvPr>
+          <p:cNvSpPr/>
+          <p:nvPr/>
+        </p:nvSpPr>
+        <p:spPr>
+          <a:xfrm>
+            <a:off x="785546" y="1695417"/>
+            <a:ext cx="543467" cy="458972"/>
+          </a:xfrm>
+          <a:prstGeom prst="ellipse">
+            <a:avLst/>
+          </a:prstGeom>
+          <a:noFill/>
+          <a:ln w="38100">
+            <a:solidFill>
+              <a:srgbClr val="FF0000"/>
+            </a:solidFill>
+          </a:ln>
+        </p:spPr>
+        <p:style>
+          <a:lnRef idx="2">
+            <a:schemeClr val="accent1">
+              <a:shade val="50000"/>
+            </a:schemeClr>
+          </a:lnRef>
+          <a:fillRef idx="1">
+            <a:schemeClr val="accent1"/>
+          </a:fillRef>
+          <a:effectRef idx="0">
+            <a:schemeClr val="accent1"/>
+          </a:effectRef>
+          <a:fontRef idx="minor">
+            <a:schemeClr val="lt1"/>
+          </a:fontRef>
+        </p:style>
+        <p:txBody>
+          <a:bodyPr rtlCol="0" anchor="ctr"/>
+          <a:lstStyle/>
+          <a:p>
+            <a:pPr algn="ctr"/>
+            <a:endParaRPr lang="en-US"/>
+          </a:p>
+        </p:txBody>
+      </p:sp>
+      <p:sp>
+        <p:nvSpPr>
+          <p:cNvPr id="8" name="Rectangle 7">
+            <a:extLst>
+              <a:ext uri="{FF2B5EF4-FFF2-40B4-BE49-F238E27FC236}">
+                <a16:creationId xmlns:a16="http://schemas.microsoft.com/office/drawing/2014/main" id="{C4EE133C-276A-BB45-A852-7BBC659BA92B}"/>
+              </a:ext>
+            </a:extLst>
+          </p:cNvPr>
+          <p:cNvSpPr/>
+          <p:nvPr/>
+        </p:nvSpPr>
+        <p:spPr>
+          <a:xfrm>
+            <a:off x="362232" y="1397613"/>
+            <a:ext cx="2351926" cy="215444"/>
+          </a:xfrm>
+          <a:prstGeom prst="rect">
+            <a:avLst/>
+          </a:prstGeom>
+          <a:solidFill>
+            <a:schemeClr val="bg1"/>
+          </a:solidFill>
+          <a:ln>
+            <a:solidFill>
+              <a:schemeClr val="bg2">
+                <a:lumMod val="50000"/>
+              </a:schemeClr>
+            </a:solidFill>
+          </a:ln>
+        </p:spPr>
+        <p:txBody>
+          <a:bodyPr wrap="square">
+            <a:spAutoFit/>
+          </a:bodyPr>
+          <a:lstStyle/>
+          <a:p>
+            <a:r>
+              <a:rPr lang="en-US" sz="800" dirty="0"/>
+              <a:t>Network latency to fetch index takes ~2s minimum. </a:t>
+            </a:r>
+          </a:p>
+        </p:txBody>
+      </p:sp>
+      <p:sp>
+        <p:nvSpPr>
+          <p:cNvPr id="10" name="TextBox 9">
+            <a:extLst>
+              <a:ext uri="{FF2B5EF4-FFF2-40B4-BE49-F238E27FC236}">
+                <a16:creationId xmlns:a16="http://schemas.microsoft.com/office/drawing/2014/main" id="{D3EEDB52-27CD-BD43-99BF-873768ED6764}"/>
+              </a:ext>
+            </a:extLst>
+          </p:cNvPr>
+          <p:cNvSpPr txBox="1"/>
+          <p:nvPr/>
+        </p:nvSpPr>
+        <p:spPr>
+          <a:xfrm>
+            <a:off x="5070293" y="2931952"/>
+            <a:ext cx="1731723" cy="369332"/>
+          </a:xfrm>
+          <a:prstGeom prst="rect">
+            <a:avLst/>
+          </a:prstGeom>
+          <a:noFill/>
+        </p:spPr>
+        <p:txBody>
+          <a:bodyPr wrap="square" rtlCol="0">
+            <a:spAutoFit/>
+          </a:bodyPr>
+          <a:lstStyle/>
+          <a:p>
+            <a:r>
+              <a:rPr lang="en-US" b="1" dirty="0"/>
+              <a:t>1024 </a:t>
+            </a:r>
+            <a:r>
+              <a:rPr lang="en-US" b="1" dirty="0" err="1"/>
+              <a:t>mb</a:t>
+            </a:r>
+            <a:r>
+              <a:rPr lang="en-US" b="1" dirty="0"/>
+              <a:t> –&gt; ~4s </a:t>
+            </a:r>
+          </a:p>
+        </p:txBody>
+      </p:sp>
+      <p:pic>
+        <p:nvPicPr>
+          <p:cNvPr id="11" name="Picture 10">
+            <a:extLst>
+              <a:ext uri="{FF2B5EF4-FFF2-40B4-BE49-F238E27FC236}">
+                <a16:creationId xmlns:a16="http://schemas.microsoft.com/office/drawing/2014/main" id="{038947AE-F6AB-8545-BF2F-2DA626B32F30}"/>
+              </a:ext>
+            </a:extLst>
+          </p:cNvPr>
+          <p:cNvPicPr>
+            <a:picLocks noChangeAspect="1"/>
+          </p:cNvPicPr>
+          <p:nvPr/>
+        </p:nvPicPr>
+        <p:blipFill>
+          <a:blip r:embed="rId3"/>
+          <a:stretch>
+            <a:fillRect/>
+          </a:stretch>
+        </p:blipFill>
+        <p:spPr>
+          <a:xfrm>
+            <a:off x="265692" y="3507491"/>
+            <a:ext cx="12192000" cy="1515762"/>
+          </a:xfrm>
+          <a:prstGeom prst="rect">
+            <a:avLst/>
+          </a:prstGeom>
+        </p:spPr>
+      </p:pic>
+      <p:sp>
+        <p:nvSpPr>
+          <p:cNvPr id="12" name="Oval 11">
+            <a:extLst>
+              <a:ext uri="{FF2B5EF4-FFF2-40B4-BE49-F238E27FC236}">
+                <a16:creationId xmlns:a16="http://schemas.microsoft.com/office/drawing/2014/main" id="{D1B2799E-41CC-744B-99CB-D6500C5418FE}"/>
+              </a:ext>
+            </a:extLst>
+          </p:cNvPr>
+          <p:cNvSpPr/>
+          <p:nvPr/>
+        </p:nvSpPr>
+        <p:spPr>
+          <a:xfrm>
+            <a:off x="673577" y="4035886"/>
+            <a:ext cx="543467" cy="458972"/>
+          </a:xfrm>
+          <a:prstGeom prst="ellipse">
+            <a:avLst/>
+          </a:prstGeom>
+          <a:noFill/>
+          <a:ln w="38100">
+            <a:solidFill>
+              <a:srgbClr val="FF0000"/>
+            </a:solidFill>
+          </a:ln>
+        </p:spPr>
+        <p:style>
+          <a:lnRef idx="2">
+            <a:schemeClr val="accent1">
+              <a:shade val="50000"/>
+            </a:schemeClr>
+          </a:lnRef>
+          <a:fillRef idx="1">
+            <a:schemeClr val="accent1"/>
+          </a:fillRef>
+          <a:effectRef idx="0">
+            <a:schemeClr val="accent1"/>
+          </a:effectRef>
+          <a:fontRef idx="minor">
+            <a:schemeClr val="lt1"/>
+          </a:fontRef>
+        </p:style>
+        <p:txBody>
+          <a:bodyPr rtlCol="0" anchor="ctr"/>
+          <a:lstStyle/>
+          <a:p>
+            <a:pPr algn="ctr"/>
+            <a:endParaRPr lang="en-US"/>
+          </a:p>
+        </p:txBody>
+      </p:sp>
+      <p:sp>
+        <p:nvSpPr>
+          <p:cNvPr id="13" name="Rectangle 12">
+            <a:extLst>
+              <a:ext uri="{FF2B5EF4-FFF2-40B4-BE49-F238E27FC236}">
+                <a16:creationId xmlns:a16="http://schemas.microsoft.com/office/drawing/2014/main" id="{A4F490F0-3309-C542-B9C4-93EABA0CE3E6}"/>
+              </a:ext>
+            </a:extLst>
+          </p:cNvPr>
+          <p:cNvSpPr/>
+          <p:nvPr/>
+        </p:nvSpPr>
+        <p:spPr>
+          <a:xfrm>
+            <a:off x="362232" y="3638976"/>
+            <a:ext cx="2866160" cy="338554"/>
+          </a:xfrm>
+          <a:prstGeom prst="rect">
+            <a:avLst/>
+          </a:prstGeom>
+          <a:solidFill>
+            <a:schemeClr val="bg1"/>
+          </a:solidFill>
+          <a:ln>
+            <a:solidFill>
+              <a:schemeClr val="bg2">
+                <a:lumMod val="50000"/>
+              </a:schemeClr>
+            </a:solidFill>
+          </a:ln>
+        </p:spPr>
+        <p:txBody>
+          <a:bodyPr wrap="square">
+            <a:spAutoFit/>
+          </a:bodyPr>
+          <a:lstStyle/>
+          <a:p>
+            <a:r>
+              <a:rPr lang="en-US" sz="800" dirty="0"/>
+              <a:t>Lower memory takes a long time to query the index after it’s loaded from the store</a:t>
+            </a:r>
+          </a:p>
+        </p:txBody>
+      </p:sp>
+      <p:sp>
+        <p:nvSpPr>
+          <p:cNvPr id="14" name="TextBox 13">
+            <a:extLst>
+              <a:ext uri="{FF2B5EF4-FFF2-40B4-BE49-F238E27FC236}">
+                <a16:creationId xmlns:a16="http://schemas.microsoft.com/office/drawing/2014/main" id="{AEF2AFCD-F4CE-6F41-8A8B-F9B7173A375F}"/>
+              </a:ext>
+            </a:extLst>
+          </p:cNvPr>
+          <p:cNvSpPr txBox="1"/>
+          <p:nvPr/>
+        </p:nvSpPr>
+        <p:spPr>
+          <a:xfrm>
+            <a:off x="5070293" y="5023253"/>
+            <a:ext cx="2301551" cy="369332"/>
+          </a:xfrm>
+          <a:prstGeom prst="rect">
+            <a:avLst/>
+          </a:prstGeom>
+          <a:noFill/>
+        </p:spPr>
+        <p:txBody>
+          <a:bodyPr wrap="square" rtlCol="0">
+            <a:spAutoFit/>
+          </a:bodyPr>
+          <a:lstStyle/>
+          <a:p>
+            <a:r>
+              <a:rPr lang="en-US" b="1" dirty="0"/>
+              <a:t>512 </a:t>
+            </a:r>
+            <a:r>
+              <a:rPr lang="en-US" b="1" dirty="0" err="1"/>
+              <a:t>mb</a:t>
+            </a:r>
+            <a:r>
+              <a:rPr lang="en-US" b="1" dirty="0"/>
+              <a:t> -&gt; ~15s</a:t>
+            </a:r>
+          </a:p>
+        </p:txBody>
+      </p:sp>
+      <p:sp>
+        <p:nvSpPr>
+          <p:cNvPr id="15" name="Rectangle 14">
+            <a:extLst>
+              <a:ext uri="{FF2B5EF4-FFF2-40B4-BE49-F238E27FC236}">
+                <a16:creationId xmlns:a16="http://schemas.microsoft.com/office/drawing/2014/main" id="{71E2275F-A2B7-D94A-9E13-3F28B6422E7B}"/>
+              </a:ext>
+            </a:extLst>
+          </p:cNvPr>
+          <p:cNvSpPr/>
+          <p:nvPr/>
+        </p:nvSpPr>
+        <p:spPr>
+          <a:xfrm>
+            <a:off x="1538195" y="6049320"/>
+            <a:ext cx="8545285" cy="307777"/>
+          </a:xfrm>
+          <a:prstGeom prst="rect">
+            <a:avLst/>
+          </a:prstGeom>
+          <a:solidFill>
+            <a:schemeClr val="bg1"/>
+          </a:solidFill>
+          <a:ln>
+            <a:solidFill>
+              <a:schemeClr val="bg2">
+                <a:lumMod val="50000"/>
+              </a:schemeClr>
+            </a:solidFill>
+          </a:ln>
+        </p:spPr>
+        <p:txBody>
+          <a:bodyPr wrap="square">
+            <a:spAutoFit/>
+          </a:bodyPr>
+          <a:lstStyle/>
+          <a:p>
+            <a:pPr algn="ctr"/>
+            <a:r>
+              <a:rPr lang="en-US" sz="1400" dirty="0"/>
+              <a:t>*not shown 320mb, which began timing out, trying to load and query the index as the indexes grew in size. </a:t>
+            </a:r>
+          </a:p>
+        </p:txBody>
+      </p:sp>
+      <p:pic>
+        <p:nvPicPr>
+          <p:cNvPr id="16" name="Picture 15">
+            <a:extLst>
+              <a:ext uri="{FF2B5EF4-FFF2-40B4-BE49-F238E27FC236}">
+                <a16:creationId xmlns:a16="http://schemas.microsoft.com/office/drawing/2014/main" id="{F02355D9-C69C-8D4C-9811-219CF440F9FE}"/>
+              </a:ext>
+            </a:extLst>
+          </p:cNvPr>
+          <p:cNvPicPr>
+            <a:picLocks noChangeAspect="1"/>
+          </p:cNvPicPr>
+          <p:nvPr/>
+        </p:nvPicPr>
+        <p:blipFill>
+          <a:blip r:embed="rId4"/>
+          <a:stretch>
+            <a:fillRect/>
+          </a:stretch>
+        </p:blipFill>
+        <p:spPr>
+          <a:xfrm flipH="1">
+            <a:off x="9899475" y="6554557"/>
+            <a:ext cx="254020" cy="246221"/>
+          </a:xfrm>
+          <a:prstGeom prst="rect">
+            <a:avLst/>
+          </a:prstGeom>
+        </p:spPr>
+      </p:pic>
+      <p:sp>
+        <p:nvSpPr>
+          <p:cNvPr id="17" name="TextBox 16">
+            <a:extLst>
+              <a:ext uri="{FF2B5EF4-FFF2-40B4-BE49-F238E27FC236}">
+                <a16:creationId xmlns:a16="http://schemas.microsoft.com/office/drawing/2014/main" id="{DF074127-61C5-CC4E-AC21-4875489A8DEE}"/>
+              </a:ext>
+            </a:extLst>
+          </p:cNvPr>
+          <p:cNvSpPr txBox="1"/>
+          <p:nvPr/>
+        </p:nvSpPr>
+        <p:spPr>
+          <a:xfrm>
+            <a:off x="10130565" y="6554558"/>
+            <a:ext cx="2125394" cy="246221"/>
+          </a:xfrm>
+          <a:prstGeom prst="rect">
+            <a:avLst/>
+          </a:prstGeom>
+          <a:noFill/>
+        </p:spPr>
+        <p:txBody>
+          <a:bodyPr wrap="square" rtlCol="0">
+            <a:spAutoFit/>
+          </a:bodyPr>
+          <a:lstStyle/>
+          <a:p>
+            <a:r>
+              <a:rPr lang="en-US" sz="1000" b="1" dirty="0" err="1"/>
+              <a:t>rlingineni</a:t>
+            </a:r>
+            <a:r>
+              <a:rPr lang="en-US" sz="1000" b="1" dirty="0"/>
+              <a:t>/lambda-serverless-search</a:t>
+            </a:r>
+          </a:p>
+        </p:txBody>
+      </p:sp>
+    </p:spTree>
+    <p:extLst>
+      <p:ext uri="{BB962C8B-B14F-4D97-AF65-F5344CB8AC3E}">
+        <p14:creationId xmlns:p14="http://schemas.microsoft.com/office/powerpoint/2010/main" val="1014274944"/>
       </p:ext>
     </p:extLst>
   </p:cSld>

--- a/Serverless-Search-Details.pptx
+++ b/Serverless-Search-Details.pptx
@@ -6,9 +6,10 @@
   </p:sldMasterIdLst>
   <p:sldIdLst>
     <p:sldId id="256" r:id="rId2"/>
-    <p:sldId id="257" r:id="rId3"/>
-    <p:sldId id="258" r:id="rId4"/>
-    <p:sldId id="259" r:id="rId5"/>
+    <p:sldId id="260" r:id="rId3"/>
+    <p:sldId id="257" r:id="rId4"/>
+    <p:sldId id="258" r:id="rId5"/>
+    <p:sldId id="259" r:id="rId6"/>
   </p:sldIdLst>
   <p:sldSz cx="12192000" cy="6858000"/>
   <p:notesSz cx="6858000" cy="9144000"/>
@@ -1780,7 +1781,7 @@
           <a:p>
             <a:fld id="{C97B7027-F410-D949-BD71-C989F5B65932}" type="datetimeFigureOut">
               <a:rPr lang="en-US" smtClean="0"/>
-              <a:t>9/30/18</a:t>
+              <a:t>10/7/18</a:t>
             </a:fld>
             <a:endParaRPr lang="en-US"/>
           </a:p>
@@ -1978,7 +1979,7 @@
           <a:p>
             <a:fld id="{C97B7027-F410-D949-BD71-C989F5B65932}" type="datetimeFigureOut">
               <a:rPr lang="en-US" smtClean="0"/>
-              <a:t>9/30/18</a:t>
+              <a:t>10/7/18</a:t>
             </a:fld>
             <a:endParaRPr lang="en-US"/>
           </a:p>
@@ -2186,7 +2187,7 @@
           <a:p>
             <a:fld id="{C97B7027-F410-D949-BD71-C989F5B65932}" type="datetimeFigureOut">
               <a:rPr lang="en-US" smtClean="0"/>
-              <a:t>9/30/18</a:t>
+              <a:t>10/7/18</a:t>
             </a:fld>
             <a:endParaRPr lang="en-US"/>
           </a:p>
@@ -2384,7 +2385,7 @@
           <a:p>
             <a:fld id="{C97B7027-F410-D949-BD71-C989F5B65932}" type="datetimeFigureOut">
               <a:rPr lang="en-US" smtClean="0"/>
-              <a:t>9/30/18</a:t>
+              <a:t>10/7/18</a:t>
             </a:fld>
             <a:endParaRPr lang="en-US"/>
           </a:p>
@@ -2659,7 +2660,7 @@
           <a:p>
             <a:fld id="{C97B7027-F410-D949-BD71-C989F5B65932}" type="datetimeFigureOut">
               <a:rPr lang="en-US" smtClean="0"/>
-              <a:t>9/30/18</a:t>
+              <a:t>10/7/18</a:t>
             </a:fld>
             <a:endParaRPr lang="en-US"/>
           </a:p>
@@ -2924,7 +2925,7 @@
           <a:p>
             <a:fld id="{C97B7027-F410-D949-BD71-C989F5B65932}" type="datetimeFigureOut">
               <a:rPr lang="en-US" smtClean="0"/>
-              <a:t>9/30/18</a:t>
+              <a:t>10/7/18</a:t>
             </a:fld>
             <a:endParaRPr lang="en-US"/>
           </a:p>
@@ -3336,7 +3337,7 @@
           <a:p>
             <a:fld id="{C97B7027-F410-D949-BD71-C989F5B65932}" type="datetimeFigureOut">
               <a:rPr lang="en-US" smtClean="0"/>
-              <a:t>9/30/18</a:t>
+              <a:t>10/7/18</a:t>
             </a:fld>
             <a:endParaRPr lang="en-US"/>
           </a:p>
@@ -3477,7 +3478,7 @@
           <a:p>
             <a:fld id="{C97B7027-F410-D949-BD71-C989F5B65932}" type="datetimeFigureOut">
               <a:rPr lang="en-US" smtClean="0"/>
-              <a:t>9/30/18</a:t>
+              <a:t>10/7/18</a:t>
             </a:fld>
             <a:endParaRPr lang="en-US"/>
           </a:p>
@@ -3590,7 +3591,7 @@
           <a:p>
             <a:fld id="{C97B7027-F410-D949-BD71-C989F5B65932}" type="datetimeFigureOut">
               <a:rPr lang="en-US" smtClean="0"/>
-              <a:t>9/30/18</a:t>
+              <a:t>10/7/18</a:t>
             </a:fld>
             <a:endParaRPr lang="en-US"/>
           </a:p>
@@ -3901,7 +3902,7 @@
           <a:p>
             <a:fld id="{C97B7027-F410-D949-BD71-C989F5B65932}" type="datetimeFigureOut">
               <a:rPr lang="en-US" smtClean="0"/>
-              <a:t>9/30/18</a:t>
+              <a:t>10/7/18</a:t>
             </a:fld>
             <a:endParaRPr lang="en-US"/>
           </a:p>
@@ -4189,7 +4190,7 @@
           <a:p>
             <a:fld id="{C97B7027-F410-D949-BD71-C989F5B65932}" type="datetimeFigureOut">
               <a:rPr lang="en-US" smtClean="0"/>
-              <a:t>9/30/18</a:t>
+              <a:t>10/7/18</a:t>
             </a:fld>
             <a:endParaRPr lang="en-US"/>
           </a:p>
@@ -4430,7 +4431,7 @@
           <a:p>
             <a:fld id="{C97B7027-F410-D949-BD71-C989F5B65932}" type="datetimeFigureOut">
               <a:rPr lang="en-US" smtClean="0"/>
-              <a:t>9/30/18</a:t>
+              <a:t>10/7/18</a:t>
             </a:fld>
             <a:endParaRPr lang="en-US"/>
           </a:p>
@@ -4930,6 +4931,162 @@
           <a:chExt cx="0" cy="0"/>
         </a:xfrm>
       </p:grpSpPr>
+      <p:sp>
+        <p:nvSpPr>
+          <p:cNvPr id="11" name="Rectangle 10">
+            <a:extLst>
+              <a:ext uri="{FF2B5EF4-FFF2-40B4-BE49-F238E27FC236}">
+                <a16:creationId xmlns:a16="http://schemas.microsoft.com/office/drawing/2014/main" id="{911643F4-D63B-0240-A78F-B2D0860F4144}"/>
+              </a:ext>
+            </a:extLst>
+          </p:cNvPr>
+          <p:cNvSpPr/>
+          <p:nvPr/>
+        </p:nvSpPr>
+        <p:spPr>
+          <a:xfrm>
+            <a:off x="176463" y="0"/>
+            <a:ext cx="9753600" cy="6577263"/>
+          </a:xfrm>
+          <a:prstGeom prst="rect">
+            <a:avLst/>
+          </a:prstGeom>
+          <a:pattFill prst="pct20">
+            <a:fgClr>
+              <a:schemeClr val="accent1"/>
+            </a:fgClr>
+            <a:bgClr>
+              <a:schemeClr val="bg1"/>
+            </a:bgClr>
+          </a:pattFill>
+        </p:spPr>
+        <p:style>
+          <a:lnRef idx="2">
+            <a:schemeClr val="accent1">
+              <a:shade val="50000"/>
+            </a:schemeClr>
+          </a:lnRef>
+          <a:fillRef idx="1">
+            <a:schemeClr val="accent1"/>
+          </a:fillRef>
+          <a:effectRef idx="0">
+            <a:schemeClr val="accent1"/>
+          </a:effectRef>
+          <a:fontRef idx="minor">
+            <a:schemeClr val="lt1"/>
+          </a:fontRef>
+        </p:style>
+        <p:txBody>
+          <a:bodyPr rtlCol="0" anchor="ctr"/>
+          <a:lstStyle/>
+          <a:p>
+            <a:pPr algn="ctr"/>
+            <a:endParaRPr lang="en-US" dirty="0"/>
+          </a:p>
+        </p:txBody>
+      </p:sp>
+      <p:pic>
+        <p:nvPicPr>
+          <p:cNvPr id="6" name="Picture 5">
+            <a:extLst>
+              <a:ext uri="{FF2B5EF4-FFF2-40B4-BE49-F238E27FC236}">
+                <a16:creationId xmlns:a16="http://schemas.microsoft.com/office/drawing/2014/main" id="{F0D4384D-366E-EE46-B064-3593B0E91375}"/>
+              </a:ext>
+            </a:extLst>
+          </p:cNvPr>
+          <p:cNvPicPr>
+            <a:picLocks noChangeAspect="1"/>
+          </p:cNvPicPr>
+          <p:nvPr/>
+        </p:nvPicPr>
+        <p:blipFill>
+          <a:blip r:embed="rId2">
+            <a:extLst>
+              <a:ext uri="{28A0092B-C50C-407E-A947-70E740481C1C}">
+                <a14:useLocalDpi xmlns:a14="http://schemas.microsoft.com/office/drawing/2010/main" val="0"/>
+              </a:ext>
+            </a:extLst>
+          </a:blip>
+          <a:stretch>
+            <a:fillRect/>
+          </a:stretch>
+        </p:blipFill>
+        <p:spPr>
+          <a:xfrm>
+            <a:off x="3519945" y="1979041"/>
+            <a:ext cx="1416210" cy="1449959"/>
+          </a:xfrm>
+          <a:prstGeom prst="rect">
+            <a:avLst/>
+          </a:prstGeom>
+        </p:spPr>
+      </p:pic>
+      <p:pic>
+        <p:nvPicPr>
+          <p:cNvPr id="8" name="Graphic 7" descr="Magnifying glass">
+            <a:extLst>
+              <a:ext uri="{FF2B5EF4-FFF2-40B4-BE49-F238E27FC236}">
+                <a16:creationId xmlns:a16="http://schemas.microsoft.com/office/drawing/2014/main" id="{67452920-03D3-1E4E-9E49-E46E4DC969FD}"/>
+              </a:ext>
+            </a:extLst>
+          </p:cNvPr>
+          <p:cNvPicPr>
+            <a:picLocks noChangeAspect="1"/>
+          </p:cNvPicPr>
+          <p:nvPr/>
+        </p:nvPicPr>
+        <p:blipFill>
+          <a:blip r:embed="rId3">
+            <a:extLst>
+              <a:ext uri="{96DAC541-7B7A-43D3-8B79-37D633B846F1}">
+                <asvg:svgBlip xmlns:asvg="http://schemas.microsoft.com/office/drawing/2016/SVG/main" r:embed="rId4"/>
+              </a:ext>
+            </a:extLst>
+          </a:blip>
+          <a:stretch>
+            <a:fillRect/>
+          </a:stretch>
+        </p:blipFill>
+        <p:spPr>
+          <a:xfrm>
+            <a:off x="2452837" y="894258"/>
+            <a:ext cx="4392329" cy="4392329"/>
+          </a:xfrm>
+          <a:prstGeom prst="rect">
+            <a:avLst/>
+          </a:prstGeom>
+        </p:spPr>
+      </p:pic>
+    </p:spTree>
+    <p:extLst>
+      <p:ext uri="{BB962C8B-B14F-4D97-AF65-F5344CB8AC3E}">
+        <p14:creationId xmlns:p14="http://schemas.microsoft.com/office/powerpoint/2010/main" val="3774148224"/>
+      </p:ext>
+    </p:extLst>
+  </p:cSld>
+  <p:clrMapOvr>
+    <a:masterClrMapping/>
+  </p:clrMapOvr>
+</p:sld>
+</file>
+
+<file path=ppt/slides/slide3.xml><?xml version="1.0" encoding="utf-8"?>
+<p:sld xmlns:a="http://schemas.openxmlformats.org/drawingml/2006/main" xmlns:r="http://schemas.openxmlformats.org/officeDocument/2006/relationships" xmlns:p="http://schemas.openxmlformats.org/presentationml/2006/main">
+  <p:cSld>
+    <p:spTree>
+      <p:nvGrpSpPr>
+        <p:cNvPr id="1" name=""/>
+        <p:cNvGrpSpPr/>
+        <p:nvPr/>
+      </p:nvGrpSpPr>
+      <p:grpSpPr>
+        <a:xfrm>
+          <a:off x="0" y="0"/>
+          <a:ext cx="0" cy="0"/>
+          <a:chOff x="0" y="0"/>
+          <a:chExt cx="0" cy="0"/>
+        </a:xfrm>
+      </p:grpSpPr>
       <p:cxnSp>
         <p:nvCxnSpPr>
           <p:cNvPr id="51" name="Straight Arrow Connector 50">
@@ -7582,7 +7739,7 @@
 </p:sld>
 </file>
 
-<file path=ppt/slides/slide3.xml><?xml version="1.0" encoding="utf-8"?>
+<file path=ppt/slides/slide4.xml><?xml version="1.0" encoding="utf-8"?>
 <p:sld xmlns:a="http://schemas.openxmlformats.org/drawingml/2006/main" xmlns:r="http://schemas.openxmlformats.org/officeDocument/2006/relationships" xmlns:p="http://schemas.openxmlformats.org/presentationml/2006/main">
   <p:cSld>
     <p:spTree>
@@ -8110,7 +8267,7 @@
 </p:sld>
 </file>
 
-<file path=ppt/slides/slide4.xml><?xml version="1.0" encoding="utf-8"?>
+<file path=ppt/slides/slide5.xml><?xml version="1.0" encoding="utf-8"?>
 <p:sld xmlns:a="http://schemas.openxmlformats.org/drawingml/2006/main" xmlns:r="http://schemas.openxmlformats.org/officeDocument/2006/relationships" xmlns:p="http://schemas.openxmlformats.org/presentationml/2006/main">
   <p:cSld>
     <p:spTree>
